--- a/220513.pptx
+++ b/220513.pptx
@@ -29,6 +29,9 @@
     <p:sldId id="277" r:id="rId23"/>
     <p:sldId id="278" r:id="rId24"/>
     <p:sldId id="279" r:id="rId25"/>
+    <p:sldId id="280" r:id="rId26"/>
+    <p:sldId id="281" r:id="rId27"/>
+    <p:sldId id="282" r:id="rId28"/>
   </p:sldIdLst>
   <p:sldSz cx="12192000" cy="6858000"/>
   <p:notesSz cx="6858000" cy="9144000"/>
@@ -26848,6 +26851,4874 @@
     <p:extLst>
       <p:ext uri="{BB962C8B-B14F-4D97-AF65-F5344CB8AC3E}">
         <p14:creationId xmlns:p14="http://schemas.microsoft.com/office/powerpoint/2010/main" val="1440800635"/>
+      </p:ext>
+    </p:extLst>
+  </p:cSld>
+  <p:clrMapOvr>
+    <a:masterClrMapping/>
+  </p:clrMapOvr>
+</p:sld>
+</file>
+
+<file path=ppt/slides/slide25.xml><?xml version="1.0" encoding="utf-8"?>
+<p:sld xmlns:a="http://schemas.openxmlformats.org/drawingml/2006/main" xmlns:r="http://schemas.openxmlformats.org/officeDocument/2006/relationships" xmlns:p="http://schemas.openxmlformats.org/presentationml/2006/main">
+  <p:cSld>
+    <p:spTree>
+      <p:nvGrpSpPr>
+        <p:cNvPr id="1" name=""/>
+        <p:cNvGrpSpPr/>
+        <p:nvPr/>
+      </p:nvGrpSpPr>
+      <p:grpSpPr>
+        <a:xfrm>
+          <a:off x="0" y="0"/>
+          <a:ext cx="0" cy="0"/>
+          <a:chOff x="0" y="0"/>
+          <a:chExt cx="0" cy="0"/>
+        </a:xfrm>
+      </p:grpSpPr>
+      <p:sp>
+        <p:nvSpPr>
+          <p:cNvPr id="4" name="직사각형 3">
+            <a:extLst>
+              <a:ext uri="{FF2B5EF4-FFF2-40B4-BE49-F238E27FC236}">
+                <a16:creationId xmlns:a16="http://schemas.microsoft.com/office/drawing/2014/main" id="{2783C786-A6E3-D4D7-71E1-AD9CF08888AC}"/>
+              </a:ext>
+            </a:extLst>
+          </p:cNvPr>
+          <p:cNvSpPr/>
+          <p:nvPr/>
+        </p:nvSpPr>
+        <p:spPr>
+          <a:xfrm>
+            <a:off x="-104775" y="204818"/>
+            <a:ext cx="7029450" cy="1477328"/>
+          </a:xfrm>
+          <a:prstGeom prst="rect">
+            <a:avLst/>
+          </a:prstGeom>
+        </p:spPr>
+        <p:txBody>
+          <a:bodyPr wrap="square">
+            <a:spAutoFit/>
+          </a:bodyPr>
+          <a:lstStyle/>
+          <a:p>
+            <a:r>
+              <a:rPr lang="en" altLang="ko-Kore-KR" dirty="0">
+                <a:solidFill>
+                  <a:srgbClr val="0000FF"/>
+                </a:solidFill>
+                <a:latin typeface="DM Mono" panose="020B0509040201040103" pitchFamily="49" charset="0"/>
+              </a:rPr>
+              <a:t>  const</a:t>
+            </a:r>
+            <a:r>
+              <a:rPr lang="en" altLang="ko-Kore-KR" dirty="0">
+                <a:solidFill>
+                  <a:srgbClr val="000000"/>
+                </a:solidFill>
+                <a:latin typeface="DM Mono" panose="020B0509040201040103" pitchFamily="49" charset="0"/>
+              </a:rPr>
+              <a:t> </a:t>
+            </a:r>
+            <a:r>
+              <a:rPr lang="en" altLang="ko-Kore-KR" dirty="0">
+                <a:solidFill>
+                  <a:srgbClr val="0000FF"/>
+                </a:solidFill>
+                <a:latin typeface="DM Mono" panose="020B0509040201040103" pitchFamily="49" charset="0"/>
+              </a:rPr>
+              <a:t>char</a:t>
+            </a:r>
+            <a:r>
+              <a:rPr lang="en" altLang="ko-Kore-KR" dirty="0">
+                <a:solidFill>
+                  <a:srgbClr val="000000"/>
+                </a:solidFill>
+                <a:latin typeface="DM Mono" panose="020B0509040201040103" pitchFamily="49" charset="0"/>
+              </a:rPr>
+              <a:t>* </a:t>
+            </a:r>
+            <a:r>
+              <a:rPr lang="en" altLang="ko-Kore-KR" dirty="0">
+                <a:solidFill>
+                  <a:srgbClr val="001080"/>
+                </a:solidFill>
+                <a:latin typeface="DM Mono" panose="020B0509040201040103" pitchFamily="49" charset="0"/>
+              </a:rPr>
+              <a:t>s1</a:t>
+            </a:r>
+            <a:r>
+              <a:rPr lang="en" altLang="ko-Kore-KR" dirty="0">
+                <a:solidFill>
+                  <a:srgbClr val="000000"/>
+                </a:solidFill>
+                <a:latin typeface="DM Mono" panose="020B0509040201040103" pitchFamily="49" charset="0"/>
+              </a:rPr>
+              <a:t> = </a:t>
+            </a:r>
+            <a:r>
+              <a:rPr lang="en" altLang="ko-Kore-KR" dirty="0">
+                <a:solidFill>
+                  <a:srgbClr val="A31515"/>
+                </a:solidFill>
+                <a:latin typeface="DM Mono" panose="020B0509040201040103" pitchFamily="49" charset="0"/>
+              </a:rPr>
+              <a:t>"hello"</a:t>
+            </a:r>
+            <a:r>
+              <a:rPr lang="en" altLang="ko-Kore-KR" dirty="0">
+                <a:solidFill>
+                  <a:srgbClr val="000000"/>
+                </a:solidFill>
+                <a:latin typeface="DM Mono" panose="020B0509040201040103" pitchFamily="49" charset="0"/>
+              </a:rPr>
+              <a:t>;</a:t>
+            </a:r>
+          </a:p>
+          <a:p>
+            <a:r>
+              <a:rPr lang="en" altLang="ko-Kore-KR" dirty="0">
+                <a:solidFill>
+                  <a:srgbClr val="0000FF"/>
+                </a:solidFill>
+                <a:latin typeface="DM Mono" panose="020B0509040201040103" pitchFamily="49" charset="0"/>
+              </a:rPr>
+              <a:t>  const</a:t>
+            </a:r>
+            <a:r>
+              <a:rPr lang="en" altLang="ko-Kore-KR" dirty="0">
+                <a:solidFill>
+                  <a:srgbClr val="000000"/>
+                </a:solidFill>
+                <a:latin typeface="DM Mono" panose="020B0509040201040103" pitchFamily="49" charset="0"/>
+              </a:rPr>
+              <a:t> </a:t>
+            </a:r>
+            <a:r>
+              <a:rPr lang="en" altLang="ko-Kore-KR" dirty="0">
+                <a:solidFill>
+                  <a:srgbClr val="0000FF"/>
+                </a:solidFill>
+                <a:latin typeface="DM Mono" panose="020B0509040201040103" pitchFamily="49" charset="0"/>
+              </a:rPr>
+              <a:t>char</a:t>
+            </a:r>
+            <a:r>
+              <a:rPr lang="en" altLang="ko-Kore-KR" dirty="0">
+                <a:solidFill>
+                  <a:srgbClr val="000000"/>
+                </a:solidFill>
+                <a:latin typeface="DM Mono" panose="020B0509040201040103" pitchFamily="49" charset="0"/>
+              </a:rPr>
+              <a:t>* </a:t>
+            </a:r>
+            <a:r>
+              <a:rPr lang="en" altLang="ko-Kore-KR" dirty="0">
+                <a:solidFill>
+                  <a:srgbClr val="001080"/>
+                </a:solidFill>
+                <a:latin typeface="DM Mono" panose="020B0509040201040103" pitchFamily="49" charset="0"/>
+              </a:rPr>
+              <a:t>s2</a:t>
+            </a:r>
+            <a:r>
+              <a:rPr lang="en" altLang="ko-Kore-KR" dirty="0">
+                <a:solidFill>
+                  <a:srgbClr val="000000"/>
+                </a:solidFill>
+                <a:latin typeface="DM Mono" panose="020B0509040201040103" pitchFamily="49" charset="0"/>
+              </a:rPr>
+              <a:t> = </a:t>
+            </a:r>
+            <a:r>
+              <a:rPr lang="en" altLang="ko-Kore-KR" dirty="0">
+                <a:solidFill>
+                  <a:srgbClr val="A31515"/>
+                </a:solidFill>
+                <a:latin typeface="DM Mono" panose="020B0509040201040103" pitchFamily="49" charset="0"/>
+              </a:rPr>
+              <a:t>" world"</a:t>
+            </a:r>
+            <a:r>
+              <a:rPr lang="en" altLang="ko-Kore-KR" dirty="0">
+                <a:solidFill>
+                  <a:srgbClr val="000000"/>
+                </a:solidFill>
+                <a:latin typeface="DM Mono" panose="020B0509040201040103" pitchFamily="49" charset="0"/>
+              </a:rPr>
+              <a:t>;</a:t>
+            </a:r>
+          </a:p>
+          <a:p>
+            <a:r>
+              <a:rPr lang="en" altLang="ko-Kore-KR" dirty="0">
+                <a:solidFill>
+                  <a:srgbClr val="000000"/>
+                </a:solidFill>
+                <a:latin typeface="DM Mono" panose="020B0509040201040103" pitchFamily="49" charset="0"/>
+              </a:rPr>
+              <a:t>  </a:t>
+            </a:r>
+            <a:r>
+              <a:rPr lang="en" altLang="ko-Kore-KR" dirty="0">
+                <a:solidFill>
+                  <a:srgbClr val="0000FF"/>
+                </a:solidFill>
+                <a:latin typeface="DM Mono" panose="020B0509040201040103" pitchFamily="49" charset="0"/>
+              </a:rPr>
+              <a:t>char</a:t>
+            </a:r>
+            <a:r>
+              <a:rPr lang="en" altLang="ko-Kore-KR" dirty="0">
+                <a:solidFill>
+                  <a:srgbClr val="000000"/>
+                </a:solidFill>
+                <a:latin typeface="DM Mono" panose="020B0509040201040103" pitchFamily="49" charset="0"/>
+              </a:rPr>
+              <a:t>* </a:t>
+            </a:r>
+            <a:r>
+              <a:rPr lang="en" altLang="ko-Kore-KR" dirty="0">
+                <a:solidFill>
+                  <a:srgbClr val="001080"/>
+                </a:solidFill>
+                <a:latin typeface="DM Mono" panose="020B0509040201040103" pitchFamily="49" charset="0"/>
+              </a:rPr>
+              <a:t>s</a:t>
+            </a:r>
+            <a:r>
+              <a:rPr lang="en" altLang="ko-Kore-KR" dirty="0">
+                <a:solidFill>
+                  <a:srgbClr val="000000"/>
+                </a:solidFill>
+                <a:latin typeface="DM Mono" panose="020B0509040201040103" pitchFamily="49" charset="0"/>
+              </a:rPr>
+              <a:t> = </a:t>
+            </a:r>
+            <a:r>
+              <a:rPr lang="en" altLang="ko-Kore-KR" dirty="0">
+                <a:solidFill>
+                  <a:srgbClr val="795E26"/>
+                </a:solidFill>
+                <a:latin typeface="DM Mono" panose="020B0509040201040103" pitchFamily="49" charset="0"/>
+              </a:rPr>
+              <a:t>malloc</a:t>
+            </a:r>
+            <a:r>
+              <a:rPr lang="en" altLang="ko-Kore-KR" dirty="0">
+                <a:solidFill>
+                  <a:srgbClr val="000000"/>
+                </a:solidFill>
+                <a:latin typeface="DM Mono" panose="020B0509040201040103" pitchFamily="49" charset="0"/>
+              </a:rPr>
+              <a:t>(</a:t>
+            </a:r>
+            <a:r>
+              <a:rPr lang="en" altLang="ko-Kore-KR" dirty="0" err="1">
+                <a:solidFill>
+                  <a:srgbClr val="795E26"/>
+                </a:solidFill>
+                <a:latin typeface="DM Mono" panose="020B0509040201040103" pitchFamily="49" charset="0"/>
+              </a:rPr>
+              <a:t>strlen</a:t>
+            </a:r>
+            <a:r>
+              <a:rPr lang="en" altLang="ko-Kore-KR" dirty="0">
+                <a:solidFill>
+                  <a:srgbClr val="000000"/>
+                </a:solidFill>
+                <a:latin typeface="DM Mono" panose="020B0509040201040103" pitchFamily="49" charset="0"/>
+              </a:rPr>
+              <a:t>(</a:t>
+            </a:r>
+            <a:r>
+              <a:rPr lang="en" altLang="ko-Kore-KR" dirty="0">
+                <a:solidFill>
+                  <a:srgbClr val="001080"/>
+                </a:solidFill>
+                <a:latin typeface="DM Mono" panose="020B0509040201040103" pitchFamily="49" charset="0"/>
+              </a:rPr>
+              <a:t>s1</a:t>
+            </a:r>
+            <a:r>
+              <a:rPr lang="en" altLang="ko-Kore-KR" dirty="0">
+                <a:solidFill>
+                  <a:srgbClr val="000000"/>
+                </a:solidFill>
+                <a:latin typeface="DM Mono" panose="020B0509040201040103" pitchFamily="49" charset="0"/>
+              </a:rPr>
+              <a:t>) + </a:t>
+            </a:r>
+            <a:r>
+              <a:rPr lang="en" altLang="ko-Kore-KR" dirty="0" err="1">
+                <a:solidFill>
+                  <a:srgbClr val="795E26"/>
+                </a:solidFill>
+                <a:latin typeface="DM Mono" panose="020B0509040201040103" pitchFamily="49" charset="0"/>
+              </a:rPr>
+              <a:t>strlen</a:t>
+            </a:r>
+            <a:r>
+              <a:rPr lang="en" altLang="ko-Kore-KR" dirty="0">
+                <a:solidFill>
+                  <a:srgbClr val="000000"/>
+                </a:solidFill>
+                <a:latin typeface="DM Mono" panose="020B0509040201040103" pitchFamily="49" charset="0"/>
+              </a:rPr>
+              <a:t>(</a:t>
+            </a:r>
+            <a:r>
+              <a:rPr lang="en" altLang="ko-Kore-KR" dirty="0">
+                <a:solidFill>
+                  <a:srgbClr val="001080"/>
+                </a:solidFill>
+                <a:latin typeface="DM Mono" panose="020B0509040201040103" pitchFamily="49" charset="0"/>
+              </a:rPr>
+              <a:t>s2</a:t>
+            </a:r>
+            <a:r>
+              <a:rPr lang="en" altLang="ko-Kore-KR" dirty="0">
+                <a:solidFill>
+                  <a:srgbClr val="000000"/>
+                </a:solidFill>
+                <a:latin typeface="DM Mono" panose="020B0509040201040103" pitchFamily="49" charset="0"/>
+              </a:rPr>
+              <a:t>) + </a:t>
+            </a:r>
+            <a:r>
+              <a:rPr lang="en" altLang="ko-Kore-KR" dirty="0">
+                <a:solidFill>
+                  <a:srgbClr val="098658"/>
+                </a:solidFill>
+                <a:latin typeface="DM Mono" panose="020B0509040201040103" pitchFamily="49" charset="0"/>
+              </a:rPr>
+              <a:t>1</a:t>
+            </a:r>
+            <a:r>
+              <a:rPr lang="en" altLang="ko-Kore-KR" dirty="0">
+                <a:solidFill>
+                  <a:srgbClr val="000000"/>
+                </a:solidFill>
+                <a:latin typeface="DM Mono" panose="020B0509040201040103" pitchFamily="49" charset="0"/>
+              </a:rPr>
+              <a:t>);</a:t>
+            </a:r>
+          </a:p>
+          <a:p>
+            <a:r>
+              <a:rPr lang="en" altLang="ko-Kore-KR" dirty="0">
+                <a:solidFill>
+                  <a:srgbClr val="0000FF"/>
+                </a:solidFill>
+                <a:latin typeface="DM Mono" panose="020B0509040201040103" pitchFamily="49" charset="0"/>
+              </a:rPr>
+              <a:t>  </a:t>
+            </a:r>
+            <a:r>
+              <a:rPr lang="en" altLang="ko-Kore-KR" dirty="0" err="1">
+                <a:solidFill>
+                  <a:srgbClr val="0000FF"/>
+                </a:solidFill>
+                <a:latin typeface="DM Mono" panose="020B0509040201040103" pitchFamily="49" charset="0"/>
+              </a:rPr>
+              <a:t>strcpy</a:t>
+            </a:r>
+            <a:r>
+              <a:rPr lang="en" altLang="ko-Kore-KR" dirty="0">
+                <a:solidFill>
+                  <a:srgbClr val="000000"/>
+                </a:solidFill>
+                <a:latin typeface="DM Mono" panose="020B0509040201040103" pitchFamily="49" charset="0"/>
+              </a:rPr>
+              <a:t>(</a:t>
+            </a:r>
+            <a:r>
+              <a:rPr lang="en" altLang="ko-Kore-KR" dirty="0">
+                <a:solidFill>
+                  <a:srgbClr val="001080"/>
+                </a:solidFill>
+                <a:latin typeface="DM Mono" panose="020B0509040201040103" pitchFamily="49" charset="0"/>
+              </a:rPr>
+              <a:t>s</a:t>
+            </a:r>
+            <a:r>
+              <a:rPr lang="en" altLang="ko-Kore-KR" dirty="0">
+                <a:solidFill>
+                  <a:srgbClr val="000000"/>
+                </a:solidFill>
+                <a:latin typeface="DM Mono" panose="020B0509040201040103" pitchFamily="49" charset="0"/>
+              </a:rPr>
+              <a:t>, </a:t>
+            </a:r>
+            <a:r>
+              <a:rPr lang="en" altLang="ko-Kore-KR" dirty="0">
+                <a:solidFill>
+                  <a:srgbClr val="001080"/>
+                </a:solidFill>
+                <a:latin typeface="DM Mono" panose="020B0509040201040103" pitchFamily="49" charset="0"/>
+              </a:rPr>
+              <a:t>s1</a:t>
+            </a:r>
+            <a:r>
+              <a:rPr lang="en" altLang="ko-Kore-KR" dirty="0">
+                <a:solidFill>
+                  <a:srgbClr val="000000"/>
+                </a:solidFill>
+                <a:latin typeface="DM Mono" panose="020B0509040201040103" pitchFamily="49" charset="0"/>
+              </a:rPr>
+              <a:t>); </a:t>
+            </a:r>
+            <a:r>
+              <a:rPr lang="en" altLang="ko-Kore-KR" dirty="0">
+                <a:solidFill>
+                  <a:srgbClr val="008000"/>
+                </a:solidFill>
+                <a:latin typeface="DM Mono" panose="020B0509040201040103" pitchFamily="49" charset="0"/>
+              </a:rPr>
+              <a:t>// "hello"</a:t>
+            </a:r>
+            <a:endParaRPr lang="en" altLang="ko-Kore-KR" dirty="0">
+              <a:solidFill>
+                <a:srgbClr val="000000"/>
+              </a:solidFill>
+              <a:latin typeface="DM Mono" panose="020B0509040201040103" pitchFamily="49" charset="0"/>
+            </a:endParaRPr>
+          </a:p>
+          <a:p>
+            <a:r>
+              <a:rPr lang="en" altLang="ko-Kore-KR" dirty="0">
+                <a:solidFill>
+                  <a:srgbClr val="0000FF"/>
+                </a:solidFill>
+                <a:latin typeface="DM Mono" panose="020B0509040201040103" pitchFamily="49" charset="0"/>
+              </a:rPr>
+              <a:t>  </a:t>
+            </a:r>
+            <a:r>
+              <a:rPr lang="en" altLang="ko-Kore-KR" dirty="0" err="1">
+                <a:solidFill>
+                  <a:srgbClr val="0000FF"/>
+                </a:solidFill>
+                <a:latin typeface="DM Mono" panose="020B0509040201040103" pitchFamily="49" charset="0"/>
+              </a:rPr>
+              <a:t>strcat</a:t>
+            </a:r>
+            <a:r>
+              <a:rPr lang="en" altLang="ko-Kore-KR" dirty="0">
+                <a:solidFill>
+                  <a:srgbClr val="000000"/>
+                </a:solidFill>
+                <a:latin typeface="DM Mono" panose="020B0509040201040103" pitchFamily="49" charset="0"/>
+              </a:rPr>
+              <a:t>(</a:t>
+            </a:r>
+            <a:r>
+              <a:rPr lang="en" altLang="ko-Kore-KR" dirty="0">
+                <a:solidFill>
+                  <a:srgbClr val="001080"/>
+                </a:solidFill>
+                <a:latin typeface="DM Mono" panose="020B0509040201040103" pitchFamily="49" charset="0"/>
+              </a:rPr>
+              <a:t>s</a:t>
+            </a:r>
+            <a:r>
+              <a:rPr lang="en" altLang="ko-Kore-KR" dirty="0">
+                <a:solidFill>
+                  <a:srgbClr val="000000"/>
+                </a:solidFill>
+                <a:latin typeface="DM Mono" panose="020B0509040201040103" pitchFamily="49" charset="0"/>
+              </a:rPr>
+              <a:t>, </a:t>
+            </a:r>
+            <a:r>
+              <a:rPr lang="en" altLang="ko-Kore-KR" dirty="0">
+                <a:solidFill>
+                  <a:srgbClr val="001080"/>
+                </a:solidFill>
+                <a:latin typeface="DM Mono" panose="020B0509040201040103" pitchFamily="49" charset="0"/>
+              </a:rPr>
+              <a:t>s2</a:t>
+            </a:r>
+            <a:r>
+              <a:rPr lang="en" altLang="ko-Kore-KR" dirty="0">
+                <a:solidFill>
+                  <a:srgbClr val="000000"/>
+                </a:solidFill>
+                <a:latin typeface="DM Mono" panose="020B0509040201040103" pitchFamily="49" charset="0"/>
+              </a:rPr>
+              <a:t>); </a:t>
+            </a:r>
+            <a:r>
+              <a:rPr lang="en" altLang="ko-Kore-KR" dirty="0">
+                <a:solidFill>
+                  <a:srgbClr val="008000"/>
+                </a:solidFill>
+                <a:latin typeface="DM Mono" panose="020B0509040201040103" pitchFamily="49" charset="0"/>
+              </a:rPr>
+              <a:t>// "hello world"</a:t>
+            </a:r>
+            <a:endParaRPr lang="en" altLang="ko-Kore-KR" dirty="0">
+              <a:solidFill>
+                <a:srgbClr val="000000"/>
+              </a:solidFill>
+              <a:latin typeface="DM Mono" panose="020B0509040201040103" pitchFamily="49" charset="0"/>
+            </a:endParaRPr>
+          </a:p>
+        </p:txBody>
+      </p:sp>
+      <p:sp>
+        <p:nvSpPr>
+          <p:cNvPr id="56" name="직사각형 55">
+            <a:extLst>
+              <a:ext uri="{FF2B5EF4-FFF2-40B4-BE49-F238E27FC236}">
+                <a16:creationId xmlns:a16="http://schemas.microsoft.com/office/drawing/2014/main" id="{FF9E2F85-7677-DD05-BB3E-DD0DD020534F}"/>
+              </a:ext>
+            </a:extLst>
+          </p:cNvPr>
+          <p:cNvSpPr/>
+          <p:nvPr/>
+        </p:nvSpPr>
+        <p:spPr>
+          <a:xfrm>
+            <a:off x="2953720" y="2566567"/>
+            <a:ext cx="401225" cy="518917"/>
+          </a:xfrm>
+          <a:prstGeom prst="rect">
+            <a:avLst/>
+          </a:prstGeom>
+          <a:solidFill>
+            <a:srgbClr val="FFFF00"/>
+          </a:solidFill>
+        </p:spPr>
+        <p:style>
+          <a:lnRef idx="2">
+            <a:schemeClr val="accent1">
+              <a:shade val="50000"/>
+            </a:schemeClr>
+          </a:lnRef>
+          <a:fillRef idx="1">
+            <a:schemeClr val="accent1"/>
+          </a:fillRef>
+          <a:effectRef idx="0">
+            <a:schemeClr val="accent1"/>
+          </a:effectRef>
+          <a:fontRef idx="minor">
+            <a:schemeClr val="lt1"/>
+          </a:fontRef>
+        </p:style>
+        <p:txBody>
+          <a:bodyPr rtlCol="0" anchor="ctr"/>
+          <a:lstStyle/>
+          <a:p>
+            <a:pPr algn="ctr"/>
+            <a:r>
+              <a:rPr kumimoji="1" lang="en-US" altLang="ko-Kore-KR" sz="1400" dirty="0">
+                <a:solidFill>
+                  <a:schemeClr val="tx1"/>
+                </a:solidFill>
+              </a:rPr>
+              <a:t>h</a:t>
+            </a:r>
+            <a:endParaRPr kumimoji="1" lang="ko-Kore-KR" altLang="en-US" sz="1400" dirty="0">
+              <a:solidFill>
+                <a:schemeClr val="tx1"/>
+              </a:solidFill>
+            </a:endParaRPr>
+          </a:p>
+        </p:txBody>
+      </p:sp>
+      <p:sp>
+        <p:nvSpPr>
+          <p:cNvPr id="57" name="직사각형 56">
+            <a:extLst>
+              <a:ext uri="{FF2B5EF4-FFF2-40B4-BE49-F238E27FC236}">
+                <a16:creationId xmlns:a16="http://schemas.microsoft.com/office/drawing/2014/main" id="{F149CA64-80DD-1E91-5DEE-65F8773072C1}"/>
+              </a:ext>
+            </a:extLst>
+          </p:cNvPr>
+          <p:cNvSpPr/>
+          <p:nvPr/>
+        </p:nvSpPr>
+        <p:spPr>
+          <a:xfrm>
+            <a:off x="3354945" y="2566566"/>
+            <a:ext cx="401225" cy="518917"/>
+          </a:xfrm>
+          <a:prstGeom prst="rect">
+            <a:avLst/>
+          </a:prstGeom>
+          <a:solidFill>
+            <a:srgbClr val="FFFF00"/>
+          </a:solidFill>
+        </p:spPr>
+        <p:style>
+          <a:lnRef idx="2">
+            <a:schemeClr val="accent1">
+              <a:shade val="50000"/>
+            </a:schemeClr>
+          </a:lnRef>
+          <a:fillRef idx="1">
+            <a:schemeClr val="accent1"/>
+          </a:fillRef>
+          <a:effectRef idx="0">
+            <a:schemeClr val="accent1"/>
+          </a:effectRef>
+          <a:fontRef idx="minor">
+            <a:schemeClr val="lt1"/>
+          </a:fontRef>
+        </p:style>
+        <p:txBody>
+          <a:bodyPr rtlCol="0" anchor="ctr"/>
+          <a:lstStyle/>
+          <a:p>
+            <a:pPr algn="ctr"/>
+            <a:r>
+              <a:rPr kumimoji="1" lang="en-US" altLang="ko-Kore-KR" sz="1400" dirty="0">
+                <a:solidFill>
+                  <a:schemeClr val="tx1"/>
+                </a:solidFill>
+              </a:rPr>
+              <a:t>e</a:t>
+            </a:r>
+            <a:endParaRPr kumimoji="1" lang="ko-Kore-KR" altLang="en-US" sz="1400" dirty="0">
+              <a:solidFill>
+                <a:schemeClr val="tx1"/>
+              </a:solidFill>
+            </a:endParaRPr>
+          </a:p>
+        </p:txBody>
+      </p:sp>
+      <p:sp>
+        <p:nvSpPr>
+          <p:cNvPr id="58" name="직사각형 57">
+            <a:extLst>
+              <a:ext uri="{FF2B5EF4-FFF2-40B4-BE49-F238E27FC236}">
+                <a16:creationId xmlns:a16="http://schemas.microsoft.com/office/drawing/2014/main" id="{11588F5A-A711-5F5E-51F5-2B1C98C8C293}"/>
+              </a:ext>
+            </a:extLst>
+          </p:cNvPr>
+          <p:cNvSpPr/>
+          <p:nvPr/>
+        </p:nvSpPr>
+        <p:spPr>
+          <a:xfrm>
+            <a:off x="3756170" y="2566566"/>
+            <a:ext cx="401225" cy="518917"/>
+          </a:xfrm>
+          <a:prstGeom prst="rect">
+            <a:avLst/>
+          </a:prstGeom>
+          <a:solidFill>
+            <a:srgbClr val="FFFF00"/>
+          </a:solidFill>
+        </p:spPr>
+        <p:style>
+          <a:lnRef idx="2">
+            <a:schemeClr val="accent1">
+              <a:shade val="50000"/>
+            </a:schemeClr>
+          </a:lnRef>
+          <a:fillRef idx="1">
+            <a:schemeClr val="accent1"/>
+          </a:fillRef>
+          <a:effectRef idx="0">
+            <a:schemeClr val="accent1"/>
+          </a:effectRef>
+          <a:fontRef idx="minor">
+            <a:schemeClr val="lt1"/>
+          </a:fontRef>
+        </p:style>
+        <p:txBody>
+          <a:bodyPr rtlCol="0" anchor="ctr"/>
+          <a:lstStyle/>
+          <a:p>
+            <a:pPr algn="ctr"/>
+            <a:r>
+              <a:rPr kumimoji="1" lang="en-US" altLang="ko-Kore-KR" sz="1400" dirty="0">
+                <a:solidFill>
+                  <a:schemeClr val="tx1"/>
+                </a:solidFill>
+              </a:rPr>
+              <a:t>l</a:t>
+            </a:r>
+            <a:endParaRPr kumimoji="1" lang="ko-Kore-KR" altLang="en-US" sz="1400" dirty="0">
+              <a:solidFill>
+                <a:schemeClr val="tx1"/>
+              </a:solidFill>
+            </a:endParaRPr>
+          </a:p>
+        </p:txBody>
+      </p:sp>
+      <p:sp>
+        <p:nvSpPr>
+          <p:cNvPr id="59" name="직사각형 58">
+            <a:extLst>
+              <a:ext uri="{FF2B5EF4-FFF2-40B4-BE49-F238E27FC236}">
+                <a16:creationId xmlns:a16="http://schemas.microsoft.com/office/drawing/2014/main" id="{C3D22F9F-913A-CAFB-9D48-18D4AFE11D74}"/>
+              </a:ext>
+            </a:extLst>
+          </p:cNvPr>
+          <p:cNvSpPr/>
+          <p:nvPr/>
+        </p:nvSpPr>
+        <p:spPr>
+          <a:xfrm>
+            <a:off x="4157395" y="2566566"/>
+            <a:ext cx="401225" cy="518917"/>
+          </a:xfrm>
+          <a:prstGeom prst="rect">
+            <a:avLst/>
+          </a:prstGeom>
+          <a:solidFill>
+            <a:srgbClr val="FFFF00"/>
+          </a:solidFill>
+        </p:spPr>
+        <p:style>
+          <a:lnRef idx="2">
+            <a:schemeClr val="accent1">
+              <a:shade val="50000"/>
+            </a:schemeClr>
+          </a:lnRef>
+          <a:fillRef idx="1">
+            <a:schemeClr val="accent1"/>
+          </a:fillRef>
+          <a:effectRef idx="0">
+            <a:schemeClr val="accent1"/>
+          </a:effectRef>
+          <a:fontRef idx="minor">
+            <a:schemeClr val="lt1"/>
+          </a:fontRef>
+        </p:style>
+        <p:txBody>
+          <a:bodyPr rtlCol="0" anchor="ctr"/>
+          <a:lstStyle/>
+          <a:p>
+            <a:pPr algn="ctr"/>
+            <a:r>
+              <a:rPr kumimoji="1" lang="en-US" altLang="ko-Kore-KR" sz="1400" dirty="0">
+                <a:solidFill>
+                  <a:schemeClr val="tx1"/>
+                </a:solidFill>
+              </a:rPr>
+              <a:t>l</a:t>
+            </a:r>
+            <a:endParaRPr kumimoji="1" lang="ko-Kore-KR" altLang="en-US" sz="1400" dirty="0">
+              <a:solidFill>
+                <a:schemeClr val="tx1"/>
+              </a:solidFill>
+            </a:endParaRPr>
+          </a:p>
+        </p:txBody>
+      </p:sp>
+      <p:sp>
+        <p:nvSpPr>
+          <p:cNvPr id="60" name="직사각형 59">
+            <a:extLst>
+              <a:ext uri="{FF2B5EF4-FFF2-40B4-BE49-F238E27FC236}">
+                <a16:creationId xmlns:a16="http://schemas.microsoft.com/office/drawing/2014/main" id="{D3E6B758-529F-5F8D-A241-843EE7FE22E7}"/>
+              </a:ext>
+            </a:extLst>
+          </p:cNvPr>
+          <p:cNvSpPr/>
+          <p:nvPr/>
+        </p:nvSpPr>
+        <p:spPr>
+          <a:xfrm>
+            <a:off x="4558620" y="2566566"/>
+            <a:ext cx="401225" cy="518917"/>
+          </a:xfrm>
+          <a:prstGeom prst="rect">
+            <a:avLst/>
+          </a:prstGeom>
+          <a:solidFill>
+            <a:srgbClr val="FFFF00"/>
+          </a:solidFill>
+        </p:spPr>
+        <p:style>
+          <a:lnRef idx="2">
+            <a:schemeClr val="accent1">
+              <a:shade val="50000"/>
+            </a:schemeClr>
+          </a:lnRef>
+          <a:fillRef idx="1">
+            <a:schemeClr val="accent1"/>
+          </a:fillRef>
+          <a:effectRef idx="0">
+            <a:schemeClr val="accent1"/>
+          </a:effectRef>
+          <a:fontRef idx="minor">
+            <a:schemeClr val="lt1"/>
+          </a:fontRef>
+        </p:style>
+        <p:txBody>
+          <a:bodyPr rtlCol="0" anchor="ctr"/>
+          <a:lstStyle/>
+          <a:p>
+            <a:pPr algn="ctr"/>
+            <a:r>
+              <a:rPr kumimoji="1" lang="en-US" altLang="ko-Kore-KR" sz="1400" dirty="0">
+                <a:solidFill>
+                  <a:schemeClr val="tx1"/>
+                </a:solidFill>
+              </a:rPr>
+              <a:t>o</a:t>
+            </a:r>
+            <a:endParaRPr kumimoji="1" lang="ko-Kore-KR" altLang="en-US" sz="1400" dirty="0">
+              <a:solidFill>
+                <a:schemeClr val="tx1"/>
+              </a:solidFill>
+            </a:endParaRPr>
+          </a:p>
+        </p:txBody>
+      </p:sp>
+      <p:sp>
+        <p:nvSpPr>
+          <p:cNvPr id="61" name="직사각형 60">
+            <a:extLst>
+              <a:ext uri="{FF2B5EF4-FFF2-40B4-BE49-F238E27FC236}">
+                <a16:creationId xmlns:a16="http://schemas.microsoft.com/office/drawing/2014/main" id="{7460F426-096F-DDE3-EB3E-3A4A7E01B044}"/>
+              </a:ext>
+            </a:extLst>
+          </p:cNvPr>
+          <p:cNvSpPr/>
+          <p:nvPr/>
+        </p:nvSpPr>
+        <p:spPr>
+          <a:xfrm>
+            <a:off x="4959844" y="2566563"/>
+            <a:ext cx="401225" cy="518917"/>
+          </a:xfrm>
+          <a:prstGeom prst="rect">
+            <a:avLst/>
+          </a:prstGeom>
+          <a:solidFill>
+            <a:srgbClr val="FFFF00"/>
+          </a:solidFill>
+        </p:spPr>
+        <p:style>
+          <a:lnRef idx="2">
+            <a:schemeClr val="accent1">
+              <a:shade val="50000"/>
+            </a:schemeClr>
+          </a:lnRef>
+          <a:fillRef idx="1">
+            <a:schemeClr val="accent1"/>
+          </a:fillRef>
+          <a:effectRef idx="0">
+            <a:schemeClr val="accent1"/>
+          </a:effectRef>
+          <a:fontRef idx="minor">
+            <a:schemeClr val="lt1"/>
+          </a:fontRef>
+        </p:style>
+        <p:txBody>
+          <a:bodyPr rtlCol="0" anchor="ctr"/>
+          <a:lstStyle/>
+          <a:p>
+            <a:pPr algn="ctr"/>
+            <a:r>
+              <a:rPr kumimoji="1" lang="en-US" altLang="ko-Kore-KR" sz="1400" dirty="0">
+                <a:solidFill>
+                  <a:srgbClr val="FF0000"/>
+                </a:solidFill>
+              </a:rPr>
+              <a:t>’ ‘</a:t>
+            </a:r>
+            <a:endParaRPr kumimoji="1" lang="ko-Kore-KR" altLang="en-US" sz="1400" dirty="0">
+              <a:solidFill>
+                <a:srgbClr val="FF0000"/>
+              </a:solidFill>
+            </a:endParaRPr>
+          </a:p>
+        </p:txBody>
+      </p:sp>
+      <p:sp>
+        <p:nvSpPr>
+          <p:cNvPr id="62" name="직사각형 61">
+            <a:extLst>
+              <a:ext uri="{FF2B5EF4-FFF2-40B4-BE49-F238E27FC236}">
+                <a16:creationId xmlns:a16="http://schemas.microsoft.com/office/drawing/2014/main" id="{92D23C52-0082-E44D-5EF4-FA9219C9178C}"/>
+              </a:ext>
+            </a:extLst>
+          </p:cNvPr>
+          <p:cNvSpPr/>
+          <p:nvPr/>
+        </p:nvSpPr>
+        <p:spPr>
+          <a:xfrm>
+            <a:off x="5361070" y="2566566"/>
+            <a:ext cx="401225" cy="518917"/>
+          </a:xfrm>
+          <a:prstGeom prst="rect">
+            <a:avLst/>
+          </a:prstGeom>
+          <a:solidFill>
+            <a:srgbClr val="FFFF00"/>
+          </a:solidFill>
+        </p:spPr>
+        <p:style>
+          <a:lnRef idx="2">
+            <a:schemeClr val="accent1">
+              <a:shade val="50000"/>
+            </a:schemeClr>
+          </a:lnRef>
+          <a:fillRef idx="1">
+            <a:schemeClr val="accent1"/>
+          </a:fillRef>
+          <a:effectRef idx="0">
+            <a:schemeClr val="accent1"/>
+          </a:effectRef>
+          <a:fontRef idx="minor">
+            <a:schemeClr val="lt1"/>
+          </a:fontRef>
+        </p:style>
+        <p:txBody>
+          <a:bodyPr rtlCol="0" anchor="ctr"/>
+          <a:lstStyle/>
+          <a:p>
+            <a:pPr algn="ctr"/>
+            <a:r>
+              <a:rPr kumimoji="1" lang="en-US" altLang="ko-Kore-KR" sz="1400" dirty="0">
+                <a:solidFill>
+                  <a:schemeClr val="tx1"/>
+                </a:solidFill>
+              </a:rPr>
+              <a:t>w</a:t>
+            </a:r>
+            <a:endParaRPr kumimoji="1" lang="ko-Kore-KR" altLang="en-US" sz="1400" dirty="0">
+              <a:solidFill>
+                <a:schemeClr val="tx1"/>
+              </a:solidFill>
+            </a:endParaRPr>
+          </a:p>
+        </p:txBody>
+      </p:sp>
+      <p:sp>
+        <p:nvSpPr>
+          <p:cNvPr id="63" name="직사각형 62">
+            <a:extLst>
+              <a:ext uri="{FF2B5EF4-FFF2-40B4-BE49-F238E27FC236}">
+                <a16:creationId xmlns:a16="http://schemas.microsoft.com/office/drawing/2014/main" id="{036FA74A-2070-DD77-8565-57D7706E76A8}"/>
+              </a:ext>
+            </a:extLst>
+          </p:cNvPr>
+          <p:cNvSpPr/>
+          <p:nvPr/>
+        </p:nvSpPr>
+        <p:spPr>
+          <a:xfrm>
+            <a:off x="5762295" y="2566566"/>
+            <a:ext cx="401225" cy="518917"/>
+          </a:xfrm>
+          <a:prstGeom prst="rect">
+            <a:avLst/>
+          </a:prstGeom>
+          <a:solidFill>
+            <a:srgbClr val="FFFF00"/>
+          </a:solidFill>
+        </p:spPr>
+        <p:style>
+          <a:lnRef idx="2">
+            <a:schemeClr val="accent1">
+              <a:shade val="50000"/>
+            </a:schemeClr>
+          </a:lnRef>
+          <a:fillRef idx="1">
+            <a:schemeClr val="accent1"/>
+          </a:fillRef>
+          <a:effectRef idx="0">
+            <a:schemeClr val="accent1"/>
+          </a:effectRef>
+          <a:fontRef idx="minor">
+            <a:schemeClr val="lt1"/>
+          </a:fontRef>
+        </p:style>
+        <p:txBody>
+          <a:bodyPr rtlCol="0" anchor="ctr"/>
+          <a:lstStyle/>
+          <a:p>
+            <a:pPr algn="ctr"/>
+            <a:r>
+              <a:rPr kumimoji="1" lang="en-US" altLang="ko-Kore-KR" sz="1400" dirty="0">
+                <a:solidFill>
+                  <a:schemeClr val="tx1"/>
+                </a:solidFill>
+              </a:rPr>
+              <a:t>o</a:t>
+            </a:r>
+            <a:endParaRPr kumimoji="1" lang="ko-Kore-KR" altLang="en-US" sz="1400" dirty="0">
+              <a:solidFill>
+                <a:schemeClr val="tx1"/>
+              </a:solidFill>
+            </a:endParaRPr>
+          </a:p>
+        </p:txBody>
+      </p:sp>
+      <p:sp>
+        <p:nvSpPr>
+          <p:cNvPr id="64" name="직사각형 63">
+            <a:extLst>
+              <a:ext uri="{FF2B5EF4-FFF2-40B4-BE49-F238E27FC236}">
+                <a16:creationId xmlns:a16="http://schemas.microsoft.com/office/drawing/2014/main" id="{A15078A1-691C-244C-2846-7792BB39BC41}"/>
+              </a:ext>
+            </a:extLst>
+          </p:cNvPr>
+          <p:cNvSpPr/>
+          <p:nvPr/>
+        </p:nvSpPr>
+        <p:spPr>
+          <a:xfrm>
+            <a:off x="6163520" y="2566566"/>
+            <a:ext cx="401225" cy="518917"/>
+          </a:xfrm>
+          <a:prstGeom prst="rect">
+            <a:avLst/>
+          </a:prstGeom>
+          <a:solidFill>
+            <a:srgbClr val="FFFF00"/>
+          </a:solidFill>
+        </p:spPr>
+        <p:style>
+          <a:lnRef idx="2">
+            <a:schemeClr val="accent1">
+              <a:shade val="50000"/>
+            </a:schemeClr>
+          </a:lnRef>
+          <a:fillRef idx="1">
+            <a:schemeClr val="accent1"/>
+          </a:fillRef>
+          <a:effectRef idx="0">
+            <a:schemeClr val="accent1"/>
+          </a:effectRef>
+          <a:fontRef idx="minor">
+            <a:schemeClr val="lt1"/>
+          </a:fontRef>
+        </p:style>
+        <p:txBody>
+          <a:bodyPr rtlCol="0" anchor="ctr"/>
+          <a:lstStyle/>
+          <a:p>
+            <a:pPr algn="ctr"/>
+            <a:r>
+              <a:rPr kumimoji="1" lang="en-US" altLang="ko-Kore-KR" sz="1400" dirty="0">
+                <a:solidFill>
+                  <a:schemeClr val="tx1"/>
+                </a:solidFill>
+              </a:rPr>
+              <a:t>r</a:t>
+            </a:r>
+            <a:endParaRPr kumimoji="1" lang="ko-Kore-KR" altLang="en-US" sz="1400" dirty="0">
+              <a:solidFill>
+                <a:schemeClr val="tx1"/>
+              </a:solidFill>
+            </a:endParaRPr>
+          </a:p>
+        </p:txBody>
+      </p:sp>
+      <p:sp>
+        <p:nvSpPr>
+          <p:cNvPr id="65" name="직사각형 64">
+            <a:extLst>
+              <a:ext uri="{FF2B5EF4-FFF2-40B4-BE49-F238E27FC236}">
+                <a16:creationId xmlns:a16="http://schemas.microsoft.com/office/drawing/2014/main" id="{33A25314-AF9D-D986-1D7C-9077BDC55D7D}"/>
+              </a:ext>
+            </a:extLst>
+          </p:cNvPr>
+          <p:cNvSpPr/>
+          <p:nvPr/>
+        </p:nvSpPr>
+        <p:spPr>
+          <a:xfrm>
+            <a:off x="6564745" y="2566566"/>
+            <a:ext cx="401225" cy="518917"/>
+          </a:xfrm>
+          <a:prstGeom prst="rect">
+            <a:avLst/>
+          </a:prstGeom>
+          <a:solidFill>
+            <a:srgbClr val="FFFF00"/>
+          </a:solidFill>
+        </p:spPr>
+        <p:style>
+          <a:lnRef idx="2">
+            <a:schemeClr val="accent1">
+              <a:shade val="50000"/>
+            </a:schemeClr>
+          </a:lnRef>
+          <a:fillRef idx="1">
+            <a:schemeClr val="accent1"/>
+          </a:fillRef>
+          <a:effectRef idx="0">
+            <a:schemeClr val="accent1"/>
+          </a:effectRef>
+          <a:fontRef idx="minor">
+            <a:schemeClr val="lt1"/>
+          </a:fontRef>
+        </p:style>
+        <p:txBody>
+          <a:bodyPr rtlCol="0" anchor="ctr"/>
+          <a:lstStyle/>
+          <a:p>
+            <a:pPr algn="ctr"/>
+            <a:r>
+              <a:rPr kumimoji="1" lang="en-US" altLang="ko-Kore-KR" sz="1400" dirty="0">
+                <a:solidFill>
+                  <a:schemeClr val="tx1"/>
+                </a:solidFill>
+              </a:rPr>
+              <a:t>l</a:t>
+            </a:r>
+            <a:endParaRPr kumimoji="1" lang="ko-Kore-KR" altLang="en-US" sz="1400" dirty="0">
+              <a:solidFill>
+                <a:schemeClr val="tx1"/>
+              </a:solidFill>
+            </a:endParaRPr>
+          </a:p>
+        </p:txBody>
+      </p:sp>
+      <p:sp>
+        <p:nvSpPr>
+          <p:cNvPr id="66" name="직사각형 65">
+            <a:extLst>
+              <a:ext uri="{FF2B5EF4-FFF2-40B4-BE49-F238E27FC236}">
+                <a16:creationId xmlns:a16="http://schemas.microsoft.com/office/drawing/2014/main" id="{EE70C925-F27D-2907-30E9-686847DFF06B}"/>
+              </a:ext>
+            </a:extLst>
+          </p:cNvPr>
+          <p:cNvSpPr/>
+          <p:nvPr/>
+        </p:nvSpPr>
+        <p:spPr>
+          <a:xfrm>
+            <a:off x="6965970" y="2566565"/>
+            <a:ext cx="401225" cy="518917"/>
+          </a:xfrm>
+          <a:prstGeom prst="rect">
+            <a:avLst/>
+          </a:prstGeom>
+          <a:solidFill>
+            <a:srgbClr val="FFFF00"/>
+          </a:solidFill>
+        </p:spPr>
+        <p:style>
+          <a:lnRef idx="2">
+            <a:schemeClr val="accent1">
+              <a:shade val="50000"/>
+            </a:schemeClr>
+          </a:lnRef>
+          <a:fillRef idx="1">
+            <a:schemeClr val="accent1"/>
+          </a:fillRef>
+          <a:effectRef idx="0">
+            <a:schemeClr val="accent1"/>
+          </a:effectRef>
+          <a:fontRef idx="minor">
+            <a:schemeClr val="lt1"/>
+          </a:fontRef>
+        </p:style>
+        <p:txBody>
+          <a:bodyPr rtlCol="0" anchor="ctr"/>
+          <a:lstStyle/>
+          <a:p>
+            <a:pPr algn="ctr"/>
+            <a:r>
+              <a:rPr kumimoji="1" lang="en-US" altLang="ko-Kore-KR" sz="1400" dirty="0">
+                <a:solidFill>
+                  <a:schemeClr val="tx1"/>
+                </a:solidFill>
+              </a:rPr>
+              <a:t>d</a:t>
+            </a:r>
+            <a:endParaRPr kumimoji="1" lang="ko-Kore-KR" altLang="en-US" sz="1400" dirty="0">
+              <a:solidFill>
+                <a:schemeClr val="tx1"/>
+              </a:solidFill>
+            </a:endParaRPr>
+          </a:p>
+        </p:txBody>
+      </p:sp>
+      <p:sp>
+        <p:nvSpPr>
+          <p:cNvPr id="67" name="직사각형 66">
+            <a:extLst>
+              <a:ext uri="{FF2B5EF4-FFF2-40B4-BE49-F238E27FC236}">
+                <a16:creationId xmlns:a16="http://schemas.microsoft.com/office/drawing/2014/main" id="{E875AF87-786D-559C-728C-0F0086A36B70}"/>
+              </a:ext>
+            </a:extLst>
+          </p:cNvPr>
+          <p:cNvSpPr/>
+          <p:nvPr/>
+        </p:nvSpPr>
+        <p:spPr>
+          <a:xfrm>
+            <a:off x="7367195" y="2566564"/>
+            <a:ext cx="401225" cy="518917"/>
+          </a:xfrm>
+          <a:prstGeom prst="rect">
+            <a:avLst/>
+          </a:prstGeom>
+          <a:solidFill>
+            <a:srgbClr val="FFFF00"/>
+          </a:solidFill>
+        </p:spPr>
+        <p:style>
+          <a:lnRef idx="2">
+            <a:schemeClr val="accent1">
+              <a:shade val="50000"/>
+            </a:schemeClr>
+          </a:lnRef>
+          <a:fillRef idx="1">
+            <a:schemeClr val="accent1"/>
+          </a:fillRef>
+          <a:effectRef idx="0">
+            <a:schemeClr val="accent1"/>
+          </a:effectRef>
+          <a:fontRef idx="minor">
+            <a:schemeClr val="lt1"/>
+          </a:fontRef>
+        </p:style>
+        <p:txBody>
+          <a:bodyPr rtlCol="0" anchor="ctr"/>
+          <a:lstStyle/>
+          <a:p>
+            <a:pPr algn="ctr"/>
+            <a:r>
+              <a:rPr kumimoji="1" lang="en-US" altLang="ko-Kore-KR" sz="1400" dirty="0">
+                <a:solidFill>
+                  <a:schemeClr val="tx1"/>
+                </a:solidFill>
+              </a:rPr>
+              <a:t>\0</a:t>
+            </a:r>
+            <a:endParaRPr kumimoji="1" lang="ko-Kore-KR" altLang="en-US" sz="1400" dirty="0">
+              <a:solidFill>
+                <a:schemeClr val="tx1"/>
+              </a:solidFill>
+            </a:endParaRPr>
+          </a:p>
+        </p:txBody>
+      </p:sp>
+    </p:spTree>
+    <p:extLst>
+      <p:ext uri="{BB962C8B-B14F-4D97-AF65-F5344CB8AC3E}">
+        <p14:creationId xmlns:p14="http://schemas.microsoft.com/office/powerpoint/2010/main" val="1329658118"/>
+      </p:ext>
+    </p:extLst>
+  </p:cSld>
+  <p:clrMapOvr>
+    <a:masterClrMapping/>
+  </p:clrMapOvr>
+</p:sld>
+</file>
+
+<file path=ppt/slides/slide26.xml><?xml version="1.0" encoding="utf-8"?>
+<p:sld xmlns:a="http://schemas.openxmlformats.org/drawingml/2006/main" xmlns:r="http://schemas.openxmlformats.org/officeDocument/2006/relationships" xmlns:p="http://schemas.openxmlformats.org/presentationml/2006/main">
+  <p:cSld>
+    <p:spTree>
+      <p:nvGrpSpPr>
+        <p:cNvPr id="1" name=""/>
+        <p:cNvGrpSpPr/>
+        <p:nvPr/>
+      </p:nvGrpSpPr>
+      <p:grpSpPr>
+        <a:xfrm>
+          <a:off x="0" y="0"/>
+          <a:ext cx="0" cy="0"/>
+          <a:chOff x="0" y="0"/>
+          <a:chExt cx="0" cy="0"/>
+        </a:xfrm>
+      </p:grpSpPr>
+      <p:sp>
+        <p:nvSpPr>
+          <p:cNvPr id="4" name="직사각형 3">
+            <a:extLst>
+              <a:ext uri="{FF2B5EF4-FFF2-40B4-BE49-F238E27FC236}">
+                <a16:creationId xmlns:a16="http://schemas.microsoft.com/office/drawing/2014/main" id="{2783C786-A6E3-D4D7-71E1-AD9CF08888AC}"/>
+              </a:ext>
+            </a:extLst>
+          </p:cNvPr>
+          <p:cNvSpPr/>
+          <p:nvPr/>
+        </p:nvSpPr>
+        <p:spPr>
+          <a:xfrm>
+            <a:off x="276225" y="109568"/>
+            <a:ext cx="6210300" cy="4524315"/>
+          </a:xfrm>
+          <a:prstGeom prst="rect">
+            <a:avLst/>
+          </a:prstGeom>
+        </p:spPr>
+        <p:txBody>
+          <a:bodyPr wrap="square">
+            <a:spAutoFit/>
+          </a:bodyPr>
+          <a:lstStyle/>
+          <a:p>
+            <a:r>
+              <a:rPr lang="en" altLang="ko-Kore-KR" dirty="0">
+                <a:solidFill>
+                  <a:srgbClr val="267F99"/>
+                </a:solidFill>
+                <a:latin typeface="DM Mono" panose="020B0509040201040103" pitchFamily="49" charset="0"/>
+              </a:rPr>
+              <a:t>FILE</a:t>
+            </a:r>
+            <a:r>
+              <a:rPr lang="en" altLang="ko-Kore-KR" dirty="0">
+                <a:solidFill>
+                  <a:srgbClr val="000000"/>
+                </a:solidFill>
+                <a:latin typeface="DM Mono" panose="020B0509040201040103" pitchFamily="49" charset="0"/>
+              </a:rPr>
+              <a:t>* </a:t>
+            </a:r>
+            <a:r>
+              <a:rPr lang="en" altLang="ko-Kore-KR" dirty="0" err="1">
+                <a:solidFill>
+                  <a:srgbClr val="001080"/>
+                </a:solidFill>
+                <a:latin typeface="DM Mono" panose="020B0509040201040103" pitchFamily="49" charset="0"/>
+              </a:rPr>
+              <a:t>fp</a:t>
+            </a:r>
+            <a:r>
+              <a:rPr lang="en" altLang="ko-Kore-KR" dirty="0">
+                <a:solidFill>
+                  <a:srgbClr val="000000"/>
+                </a:solidFill>
+                <a:latin typeface="DM Mono" panose="020B0509040201040103" pitchFamily="49" charset="0"/>
+              </a:rPr>
+              <a:t> = </a:t>
+            </a:r>
+            <a:r>
+              <a:rPr lang="en" altLang="ko-Kore-KR" dirty="0" err="1">
+                <a:solidFill>
+                  <a:srgbClr val="795E26"/>
+                </a:solidFill>
+                <a:latin typeface="DM Mono" panose="020B0509040201040103" pitchFamily="49" charset="0"/>
+              </a:rPr>
+              <a:t>fopen</a:t>
+            </a:r>
+            <a:r>
+              <a:rPr lang="en" altLang="ko-Kore-KR" dirty="0">
+                <a:solidFill>
+                  <a:srgbClr val="000000"/>
+                </a:solidFill>
+                <a:latin typeface="DM Mono" panose="020B0509040201040103" pitchFamily="49" charset="0"/>
+              </a:rPr>
+              <a:t>(</a:t>
+            </a:r>
+            <a:r>
+              <a:rPr lang="en" altLang="ko-Kore-KR" dirty="0">
+                <a:solidFill>
+                  <a:srgbClr val="A31515"/>
+                </a:solidFill>
+                <a:latin typeface="DM Mono" panose="020B0509040201040103" pitchFamily="49" charset="0"/>
+              </a:rPr>
+              <a:t>"</a:t>
+            </a:r>
+            <a:r>
+              <a:rPr lang="en" altLang="ko-Kore-KR" dirty="0" err="1">
+                <a:solidFill>
+                  <a:srgbClr val="A31515"/>
+                </a:solidFill>
+                <a:latin typeface="DM Mono" panose="020B0509040201040103" pitchFamily="49" charset="0"/>
+              </a:rPr>
+              <a:t>test.txt</a:t>
+            </a:r>
+            <a:r>
+              <a:rPr lang="en" altLang="ko-Kore-KR" dirty="0">
+                <a:solidFill>
+                  <a:srgbClr val="A31515"/>
+                </a:solidFill>
+                <a:latin typeface="DM Mono" panose="020B0509040201040103" pitchFamily="49" charset="0"/>
+              </a:rPr>
+              <a:t>"</a:t>
+            </a:r>
+            <a:r>
+              <a:rPr lang="en" altLang="ko-Kore-KR" dirty="0">
+                <a:solidFill>
+                  <a:srgbClr val="000000"/>
+                </a:solidFill>
+                <a:latin typeface="DM Mono" panose="020B0509040201040103" pitchFamily="49" charset="0"/>
+              </a:rPr>
+              <a:t>, </a:t>
+            </a:r>
+            <a:r>
+              <a:rPr lang="en" altLang="ko-Kore-KR" dirty="0">
+                <a:solidFill>
+                  <a:srgbClr val="A31515"/>
+                </a:solidFill>
+                <a:latin typeface="DM Mono" panose="020B0509040201040103" pitchFamily="49" charset="0"/>
+              </a:rPr>
+              <a:t>"w+"</a:t>
+            </a:r>
+            <a:r>
+              <a:rPr lang="en" altLang="ko-Kore-KR" dirty="0">
+                <a:solidFill>
+                  <a:srgbClr val="000000"/>
+                </a:solidFill>
+                <a:latin typeface="DM Mono" panose="020B0509040201040103" pitchFamily="49" charset="0"/>
+              </a:rPr>
+              <a:t>); </a:t>
+            </a:r>
+            <a:r>
+              <a:rPr lang="en" altLang="ko-Kore-KR" dirty="0">
+                <a:solidFill>
+                  <a:srgbClr val="008000"/>
+                </a:solidFill>
+                <a:latin typeface="DM Mono" panose="020B0509040201040103" pitchFamily="49" charset="0"/>
+              </a:rPr>
+              <a:t>// write + read</a:t>
+            </a:r>
+            <a:endParaRPr lang="en" altLang="ko-Kore-KR" dirty="0">
+              <a:solidFill>
+                <a:srgbClr val="000000"/>
+              </a:solidFill>
+              <a:latin typeface="DM Mono" panose="020B0509040201040103" pitchFamily="49" charset="0"/>
+            </a:endParaRPr>
+          </a:p>
+          <a:p>
+            <a:r>
+              <a:rPr lang="en" altLang="ko-Kore-KR" dirty="0">
+                <a:solidFill>
+                  <a:srgbClr val="AF00DB"/>
+                </a:solidFill>
+                <a:latin typeface="DM Mono" panose="020B0509040201040103" pitchFamily="49" charset="0"/>
+              </a:rPr>
+              <a:t>if</a:t>
+            </a:r>
+            <a:r>
+              <a:rPr lang="en" altLang="ko-Kore-KR" dirty="0">
+                <a:solidFill>
+                  <a:srgbClr val="000000"/>
+                </a:solidFill>
+                <a:latin typeface="DM Mono" panose="020B0509040201040103" pitchFamily="49" charset="0"/>
+              </a:rPr>
+              <a:t> (</a:t>
+            </a:r>
+            <a:r>
+              <a:rPr lang="en" altLang="ko-Kore-KR" dirty="0" err="1">
+                <a:solidFill>
+                  <a:srgbClr val="001080"/>
+                </a:solidFill>
+                <a:latin typeface="DM Mono" panose="020B0509040201040103" pitchFamily="49" charset="0"/>
+              </a:rPr>
+              <a:t>fp</a:t>
+            </a:r>
+            <a:r>
+              <a:rPr lang="en" altLang="ko-Kore-KR" dirty="0">
+                <a:solidFill>
+                  <a:srgbClr val="000000"/>
+                </a:solidFill>
+                <a:latin typeface="DM Mono" panose="020B0509040201040103" pitchFamily="49" charset="0"/>
+              </a:rPr>
+              <a:t> == </a:t>
+            </a:r>
+            <a:r>
+              <a:rPr lang="en" altLang="ko-Kore-KR" dirty="0">
+                <a:solidFill>
+                  <a:srgbClr val="0000FF"/>
+                </a:solidFill>
+                <a:latin typeface="DM Mono" panose="020B0509040201040103" pitchFamily="49" charset="0"/>
+              </a:rPr>
+              <a:t>NULL</a:t>
+            </a:r>
+            <a:r>
+              <a:rPr lang="en" altLang="ko-Kore-KR" dirty="0">
+                <a:solidFill>
+                  <a:srgbClr val="000000"/>
+                </a:solidFill>
+                <a:latin typeface="DM Mono" panose="020B0509040201040103" pitchFamily="49" charset="0"/>
+              </a:rPr>
+              <a:t>) {</a:t>
+            </a:r>
+          </a:p>
+          <a:p>
+            <a:r>
+              <a:rPr lang="en" altLang="ko-Kore-KR" dirty="0" err="1">
+                <a:solidFill>
+                  <a:srgbClr val="795E26"/>
+                </a:solidFill>
+                <a:latin typeface="DM Mono" panose="020B0509040201040103" pitchFamily="49" charset="0"/>
+              </a:rPr>
+              <a:t>fprintf</a:t>
+            </a:r>
+            <a:r>
+              <a:rPr lang="en" altLang="ko-Kore-KR" dirty="0">
+                <a:solidFill>
+                  <a:srgbClr val="000000"/>
+                </a:solidFill>
+                <a:latin typeface="DM Mono" panose="020B0509040201040103" pitchFamily="49" charset="0"/>
+              </a:rPr>
+              <a:t>(</a:t>
+            </a:r>
+            <a:r>
+              <a:rPr lang="en" altLang="ko-Kore-KR" dirty="0">
+                <a:solidFill>
+                  <a:srgbClr val="0000FF"/>
+                </a:solidFill>
+                <a:latin typeface="DM Mono" panose="020B0509040201040103" pitchFamily="49" charset="0"/>
+              </a:rPr>
+              <a:t>stderr</a:t>
+            </a:r>
+            <a:r>
+              <a:rPr lang="en" altLang="ko-Kore-KR" dirty="0">
+                <a:solidFill>
+                  <a:srgbClr val="000000"/>
+                </a:solidFill>
+                <a:latin typeface="DM Mono" panose="020B0509040201040103" pitchFamily="49" charset="0"/>
+              </a:rPr>
+              <a:t>, </a:t>
+            </a:r>
+            <a:r>
+              <a:rPr lang="en" altLang="ko-Kore-KR" dirty="0">
+                <a:solidFill>
+                  <a:srgbClr val="A31515"/>
+                </a:solidFill>
+                <a:latin typeface="DM Mono" panose="020B0509040201040103" pitchFamily="49" charset="0"/>
+              </a:rPr>
+              <a:t>"file open error!</a:t>
+            </a:r>
+            <a:r>
+              <a:rPr lang="en" altLang="ko-Kore-KR" dirty="0">
+                <a:solidFill>
+                  <a:srgbClr val="EE0000"/>
+                </a:solidFill>
+                <a:latin typeface="DM Mono" panose="020B0509040201040103" pitchFamily="49" charset="0"/>
+              </a:rPr>
+              <a:t>\n</a:t>
+            </a:r>
+            <a:r>
+              <a:rPr lang="en" altLang="ko-Kore-KR" dirty="0">
+                <a:solidFill>
+                  <a:srgbClr val="A31515"/>
+                </a:solidFill>
+                <a:latin typeface="DM Mono" panose="020B0509040201040103" pitchFamily="49" charset="0"/>
+              </a:rPr>
+              <a:t>"</a:t>
+            </a:r>
+            <a:r>
+              <a:rPr lang="en" altLang="ko-Kore-KR" dirty="0">
+                <a:solidFill>
+                  <a:srgbClr val="000000"/>
+                </a:solidFill>
+                <a:latin typeface="DM Mono" panose="020B0509040201040103" pitchFamily="49" charset="0"/>
+              </a:rPr>
+              <a:t>);</a:t>
+            </a:r>
+          </a:p>
+          <a:p>
+            <a:r>
+              <a:rPr lang="en" altLang="ko-Kore-KR" dirty="0">
+                <a:solidFill>
+                  <a:srgbClr val="AF00DB"/>
+                </a:solidFill>
+                <a:latin typeface="DM Mono" panose="020B0509040201040103" pitchFamily="49" charset="0"/>
+              </a:rPr>
+              <a:t>return</a:t>
+            </a:r>
+            <a:r>
+              <a:rPr lang="en" altLang="ko-Kore-KR" dirty="0">
+                <a:solidFill>
+                  <a:srgbClr val="000000"/>
+                </a:solidFill>
+                <a:latin typeface="DM Mono" panose="020B0509040201040103" pitchFamily="49" charset="0"/>
+              </a:rPr>
+              <a:t> </a:t>
+            </a:r>
+            <a:r>
+              <a:rPr lang="en" altLang="ko-Kore-KR" dirty="0">
+                <a:solidFill>
+                  <a:srgbClr val="098658"/>
+                </a:solidFill>
+                <a:latin typeface="DM Mono" panose="020B0509040201040103" pitchFamily="49" charset="0"/>
+              </a:rPr>
+              <a:t>1</a:t>
+            </a:r>
+            <a:r>
+              <a:rPr lang="en" altLang="ko-Kore-KR" dirty="0">
+                <a:solidFill>
+                  <a:srgbClr val="000000"/>
+                </a:solidFill>
+                <a:latin typeface="DM Mono" panose="020B0509040201040103" pitchFamily="49" charset="0"/>
+              </a:rPr>
+              <a:t>;</a:t>
+            </a:r>
+          </a:p>
+          <a:p>
+            <a:r>
+              <a:rPr lang="en" altLang="ko-Kore-KR" dirty="0">
+                <a:solidFill>
+                  <a:srgbClr val="000000"/>
+                </a:solidFill>
+                <a:latin typeface="DM Mono" panose="020B0509040201040103" pitchFamily="49" charset="0"/>
+              </a:rPr>
+              <a:t>}</a:t>
+            </a:r>
+          </a:p>
+          <a:p>
+            <a:br>
+              <a:rPr lang="en" altLang="ko-Kore-KR" dirty="0">
+                <a:solidFill>
+                  <a:srgbClr val="FF0000"/>
+                </a:solidFill>
+                <a:latin typeface="DM Mono" panose="020B0509040201040103" pitchFamily="49" charset="0"/>
+              </a:rPr>
+            </a:br>
+            <a:r>
+              <a:rPr lang="en" altLang="ko-Kore-KR" b="1" dirty="0" err="1">
+                <a:solidFill>
+                  <a:srgbClr val="FF0000"/>
+                </a:solidFill>
+                <a:latin typeface="DM Mono" panose="020B0509040201040103" pitchFamily="49" charset="0"/>
+              </a:rPr>
+              <a:t>fprintf</a:t>
+            </a:r>
+            <a:r>
+              <a:rPr lang="en" altLang="ko-Kore-KR" b="1" dirty="0">
+                <a:solidFill>
+                  <a:srgbClr val="FF0000"/>
+                </a:solidFill>
+                <a:latin typeface="DM Mono" panose="020B0509040201040103" pitchFamily="49" charset="0"/>
+              </a:rPr>
+              <a:t>(</a:t>
+            </a:r>
+            <a:r>
+              <a:rPr lang="en" altLang="ko-Kore-KR" b="1" dirty="0" err="1">
+                <a:solidFill>
+                  <a:srgbClr val="FF0000"/>
+                </a:solidFill>
+                <a:latin typeface="DM Mono" panose="020B0509040201040103" pitchFamily="49" charset="0"/>
+              </a:rPr>
+              <a:t>fp</a:t>
+            </a:r>
+            <a:r>
+              <a:rPr lang="en" altLang="ko-Kore-KR" b="1" dirty="0">
+                <a:solidFill>
+                  <a:srgbClr val="FF0000"/>
+                </a:solidFill>
+                <a:latin typeface="DM Mono" panose="020B0509040201040103" pitchFamily="49" charset="0"/>
+              </a:rPr>
+              <a:t>, "hello\n");</a:t>
+            </a:r>
+          </a:p>
+          <a:p>
+            <a:r>
+              <a:rPr lang="en" altLang="ko-Kore-KR" dirty="0" err="1">
+                <a:solidFill>
+                  <a:srgbClr val="795E26"/>
+                </a:solidFill>
+                <a:latin typeface="DM Mono" panose="020B0509040201040103" pitchFamily="49" charset="0"/>
+              </a:rPr>
+              <a:t>fseek</a:t>
+            </a:r>
+            <a:r>
+              <a:rPr lang="en" altLang="ko-Kore-KR" dirty="0">
+                <a:solidFill>
+                  <a:srgbClr val="000000"/>
+                </a:solidFill>
+                <a:latin typeface="DM Mono" panose="020B0509040201040103" pitchFamily="49" charset="0"/>
+              </a:rPr>
+              <a:t>(</a:t>
+            </a:r>
+            <a:r>
+              <a:rPr lang="en" altLang="ko-Kore-KR" dirty="0" err="1">
+                <a:solidFill>
+                  <a:srgbClr val="001080"/>
+                </a:solidFill>
+                <a:latin typeface="DM Mono" panose="020B0509040201040103" pitchFamily="49" charset="0"/>
+              </a:rPr>
+              <a:t>fp</a:t>
+            </a:r>
+            <a:r>
+              <a:rPr lang="en" altLang="ko-Kore-KR" dirty="0">
+                <a:solidFill>
+                  <a:srgbClr val="000000"/>
+                </a:solidFill>
+                <a:latin typeface="DM Mono" panose="020B0509040201040103" pitchFamily="49" charset="0"/>
+              </a:rPr>
+              <a:t>, </a:t>
+            </a:r>
+            <a:r>
+              <a:rPr lang="en" altLang="ko-Kore-KR" dirty="0">
+                <a:solidFill>
+                  <a:srgbClr val="098658"/>
+                </a:solidFill>
+                <a:latin typeface="DM Mono" panose="020B0509040201040103" pitchFamily="49" charset="0"/>
+              </a:rPr>
+              <a:t>0</a:t>
+            </a:r>
+            <a:r>
+              <a:rPr lang="en" altLang="ko-Kore-KR" dirty="0">
+                <a:solidFill>
+                  <a:srgbClr val="000000"/>
+                </a:solidFill>
+                <a:latin typeface="DM Mono" panose="020B0509040201040103" pitchFamily="49" charset="0"/>
+              </a:rPr>
+              <a:t>, </a:t>
+            </a:r>
+            <a:r>
+              <a:rPr lang="en" altLang="ko-Kore-KR" dirty="0">
+                <a:solidFill>
+                  <a:srgbClr val="0000FF"/>
+                </a:solidFill>
+                <a:latin typeface="DM Mono" panose="020B0509040201040103" pitchFamily="49" charset="0"/>
+              </a:rPr>
+              <a:t>SEEK_SET</a:t>
+            </a:r>
+            <a:r>
+              <a:rPr lang="en" altLang="ko-Kore-KR" dirty="0">
+                <a:solidFill>
+                  <a:srgbClr val="000000"/>
+                </a:solidFill>
+                <a:latin typeface="DM Mono" panose="020B0509040201040103" pitchFamily="49" charset="0"/>
+              </a:rPr>
+              <a:t>);</a:t>
+            </a:r>
+          </a:p>
+          <a:p>
+            <a:endParaRPr lang="en" altLang="ko-Kore-KR" b="1" dirty="0">
+              <a:solidFill>
+                <a:srgbClr val="000000"/>
+              </a:solidFill>
+              <a:latin typeface="DM Mono" panose="020B0509040201040103" pitchFamily="49" charset="0"/>
+            </a:endParaRPr>
+          </a:p>
+          <a:p>
+            <a:br>
+              <a:rPr lang="en" altLang="ko-Kore-KR" dirty="0">
+                <a:solidFill>
+                  <a:srgbClr val="000000"/>
+                </a:solidFill>
+                <a:latin typeface="DM Mono" panose="020B0509040201040103" pitchFamily="49" charset="0"/>
+              </a:rPr>
+            </a:br>
+            <a:r>
+              <a:rPr lang="en" altLang="ko-Kore-KR" dirty="0">
+                <a:solidFill>
+                  <a:srgbClr val="0000FF"/>
+                </a:solidFill>
+                <a:latin typeface="DM Mono" panose="020B0509040201040103" pitchFamily="49" charset="0"/>
+              </a:rPr>
+              <a:t>char</a:t>
+            </a:r>
+            <a:r>
+              <a:rPr lang="en" altLang="ko-Kore-KR" dirty="0">
+                <a:solidFill>
+                  <a:srgbClr val="000000"/>
+                </a:solidFill>
+                <a:latin typeface="DM Mono" panose="020B0509040201040103" pitchFamily="49" charset="0"/>
+              </a:rPr>
+              <a:t> </a:t>
+            </a:r>
+            <a:r>
+              <a:rPr lang="en" altLang="ko-Kore-KR" dirty="0" err="1">
+                <a:solidFill>
+                  <a:srgbClr val="001080"/>
+                </a:solidFill>
+                <a:latin typeface="DM Mono" panose="020B0509040201040103" pitchFamily="49" charset="0"/>
+              </a:rPr>
+              <a:t>buf</a:t>
+            </a:r>
+            <a:r>
+              <a:rPr lang="en" altLang="ko-Kore-KR" dirty="0">
+                <a:solidFill>
+                  <a:srgbClr val="000000"/>
+                </a:solidFill>
+                <a:latin typeface="DM Mono" panose="020B0509040201040103" pitchFamily="49" charset="0"/>
+              </a:rPr>
+              <a:t>[</a:t>
+            </a:r>
+            <a:r>
+              <a:rPr lang="en" altLang="ko-Kore-KR" dirty="0">
+                <a:solidFill>
+                  <a:srgbClr val="098658"/>
+                </a:solidFill>
+                <a:latin typeface="DM Mono" panose="020B0509040201040103" pitchFamily="49" charset="0"/>
+              </a:rPr>
+              <a:t>32</a:t>
+            </a:r>
+            <a:r>
+              <a:rPr lang="en" altLang="ko-Kore-KR" dirty="0">
+                <a:solidFill>
+                  <a:srgbClr val="000000"/>
+                </a:solidFill>
+                <a:latin typeface="DM Mono" panose="020B0509040201040103" pitchFamily="49" charset="0"/>
+              </a:rPr>
+              <a:t>];</a:t>
+            </a:r>
+          </a:p>
+          <a:p>
+            <a:r>
+              <a:rPr lang="en" altLang="ko-Kore-KR" dirty="0" err="1">
+                <a:solidFill>
+                  <a:srgbClr val="795E26"/>
+                </a:solidFill>
+                <a:latin typeface="DM Mono" panose="020B0509040201040103" pitchFamily="49" charset="0"/>
+              </a:rPr>
+              <a:t>fscanf</a:t>
+            </a:r>
+            <a:r>
+              <a:rPr lang="en" altLang="ko-Kore-KR" dirty="0">
+                <a:solidFill>
+                  <a:srgbClr val="000000"/>
+                </a:solidFill>
+                <a:latin typeface="DM Mono" panose="020B0509040201040103" pitchFamily="49" charset="0"/>
+              </a:rPr>
+              <a:t>(</a:t>
+            </a:r>
+            <a:r>
+              <a:rPr lang="en" altLang="ko-Kore-KR" dirty="0" err="1">
+                <a:solidFill>
+                  <a:srgbClr val="001080"/>
+                </a:solidFill>
+                <a:latin typeface="DM Mono" panose="020B0509040201040103" pitchFamily="49" charset="0"/>
+              </a:rPr>
+              <a:t>fp</a:t>
+            </a:r>
+            <a:r>
+              <a:rPr lang="en" altLang="ko-Kore-KR" dirty="0">
+                <a:solidFill>
+                  <a:srgbClr val="000000"/>
+                </a:solidFill>
+                <a:latin typeface="DM Mono" panose="020B0509040201040103" pitchFamily="49" charset="0"/>
+              </a:rPr>
+              <a:t>, </a:t>
+            </a:r>
+            <a:r>
+              <a:rPr lang="en" altLang="ko-Kore-KR" dirty="0">
+                <a:solidFill>
+                  <a:srgbClr val="A31515"/>
+                </a:solidFill>
+                <a:latin typeface="DM Mono" panose="020B0509040201040103" pitchFamily="49" charset="0"/>
+              </a:rPr>
+              <a:t>"</a:t>
+            </a:r>
+            <a:r>
+              <a:rPr lang="en" altLang="ko-Kore-KR" dirty="0">
+                <a:solidFill>
+                  <a:srgbClr val="001080"/>
+                </a:solidFill>
+                <a:latin typeface="DM Mono" panose="020B0509040201040103" pitchFamily="49" charset="0"/>
+              </a:rPr>
+              <a:t>%s</a:t>
+            </a:r>
+            <a:r>
+              <a:rPr lang="en" altLang="ko-Kore-KR" dirty="0">
+                <a:solidFill>
+                  <a:srgbClr val="A31515"/>
+                </a:solidFill>
+                <a:latin typeface="DM Mono" panose="020B0509040201040103" pitchFamily="49" charset="0"/>
+              </a:rPr>
+              <a:t>"</a:t>
+            </a:r>
+            <a:r>
+              <a:rPr lang="en" altLang="ko-Kore-KR" dirty="0">
+                <a:solidFill>
+                  <a:srgbClr val="000000"/>
+                </a:solidFill>
+                <a:latin typeface="DM Mono" panose="020B0509040201040103" pitchFamily="49" charset="0"/>
+              </a:rPr>
+              <a:t>, </a:t>
+            </a:r>
+            <a:r>
+              <a:rPr lang="en" altLang="ko-Kore-KR" dirty="0" err="1">
+                <a:solidFill>
+                  <a:srgbClr val="001080"/>
+                </a:solidFill>
+                <a:latin typeface="DM Mono" panose="020B0509040201040103" pitchFamily="49" charset="0"/>
+              </a:rPr>
+              <a:t>buf</a:t>
+            </a:r>
+            <a:r>
+              <a:rPr lang="en" altLang="ko-Kore-KR" dirty="0">
+                <a:solidFill>
+                  <a:srgbClr val="000000"/>
+                </a:solidFill>
+                <a:latin typeface="DM Mono" panose="020B0509040201040103" pitchFamily="49" charset="0"/>
+              </a:rPr>
+              <a:t>);</a:t>
+            </a:r>
+          </a:p>
+          <a:p>
+            <a:r>
+              <a:rPr lang="en" altLang="ko-Kore-KR" dirty="0" err="1">
+                <a:solidFill>
+                  <a:srgbClr val="795E26"/>
+                </a:solidFill>
+                <a:latin typeface="DM Mono" panose="020B0509040201040103" pitchFamily="49" charset="0"/>
+              </a:rPr>
+              <a:t>printf</a:t>
+            </a:r>
+            <a:r>
+              <a:rPr lang="en" altLang="ko-Kore-KR" dirty="0">
+                <a:solidFill>
+                  <a:srgbClr val="000000"/>
+                </a:solidFill>
+                <a:latin typeface="DM Mono" panose="020B0509040201040103" pitchFamily="49" charset="0"/>
+              </a:rPr>
+              <a:t>(</a:t>
+            </a:r>
+            <a:r>
+              <a:rPr lang="en" altLang="ko-Kore-KR" dirty="0">
+                <a:solidFill>
+                  <a:srgbClr val="A31515"/>
+                </a:solidFill>
+                <a:latin typeface="DM Mono" panose="020B0509040201040103" pitchFamily="49" charset="0"/>
+              </a:rPr>
+              <a:t>"</a:t>
+            </a:r>
+            <a:r>
+              <a:rPr lang="en" altLang="ko-Kore-KR" dirty="0" err="1">
+                <a:solidFill>
+                  <a:srgbClr val="A31515"/>
+                </a:solidFill>
+                <a:latin typeface="DM Mono" panose="020B0509040201040103" pitchFamily="49" charset="0"/>
+              </a:rPr>
+              <a:t>buf</a:t>
+            </a:r>
+            <a:r>
+              <a:rPr lang="en" altLang="ko-Kore-KR" dirty="0">
+                <a:solidFill>
+                  <a:srgbClr val="A31515"/>
+                </a:solidFill>
+                <a:latin typeface="DM Mono" panose="020B0509040201040103" pitchFamily="49" charset="0"/>
+              </a:rPr>
+              <a:t>: </a:t>
+            </a:r>
+            <a:r>
+              <a:rPr lang="en" altLang="ko-Kore-KR" dirty="0">
+                <a:solidFill>
+                  <a:srgbClr val="001080"/>
+                </a:solidFill>
+                <a:latin typeface="DM Mono" panose="020B0509040201040103" pitchFamily="49" charset="0"/>
+              </a:rPr>
+              <a:t>%s</a:t>
+            </a:r>
+            <a:r>
+              <a:rPr lang="en" altLang="ko-Kore-KR" dirty="0">
+                <a:solidFill>
+                  <a:srgbClr val="EE0000"/>
+                </a:solidFill>
+                <a:latin typeface="DM Mono" panose="020B0509040201040103" pitchFamily="49" charset="0"/>
+              </a:rPr>
+              <a:t>\n</a:t>
+            </a:r>
+            <a:r>
+              <a:rPr lang="en" altLang="ko-Kore-KR" dirty="0">
+                <a:solidFill>
+                  <a:srgbClr val="A31515"/>
+                </a:solidFill>
+                <a:latin typeface="DM Mono" panose="020B0509040201040103" pitchFamily="49" charset="0"/>
+              </a:rPr>
+              <a:t>"</a:t>
+            </a:r>
+            <a:r>
+              <a:rPr lang="en" altLang="ko-Kore-KR" dirty="0">
+                <a:solidFill>
+                  <a:srgbClr val="000000"/>
+                </a:solidFill>
+                <a:latin typeface="DM Mono" panose="020B0509040201040103" pitchFamily="49" charset="0"/>
+              </a:rPr>
+              <a:t>, </a:t>
+            </a:r>
+            <a:r>
+              <a:rPr lang="en" altLang="ko-Kore-KR" dirty="0" err="1">
+                <a:solidFill>
+                  <a:srgbClr val="001080"/>
+                </a:solidFill>
+                <a:latin typeface="DM Mono" panose="020B0509040201040103" pitchFamily="49" charset="0"/>
+              </a:rPr>
+              <a:t>buf</a:t>
+            </a:r>
+            <a:r>
+              <a:rPr lang="en" altLang="ko-Kore-KR" dirty="0">
+                <a:solidFill>
+                  <a:srgbClr val="000000"/>
+                </a:solidFill>
+                <a:latin typeface="DM Mono" panose="020B0509040201040103" pitchFamily="49" charset="0"/>
+              </a:rPr>
+              <a:t>);</a:t>
+            </a:r>
+          </a:p>
+          <a:p>
+            <a:br>
+              <a:rPr lang="en" altLang="ko-Kore-KR" dirty="0">
+                <a:solidFill>
+                  <a:srgbClr val="000000"/>
+                </a:solidFill>
+                <a:latin typeface="DM Mono" panose="020B0509040201040103" pitchFamily="49" charset="0"/>
+              </a:rPr>
+            </a:br>
+            <a:r>
+              <a:rPr lang="en" altLang="ko-Kore-KR" dirty="0" err="1">
+                <a:solidFill>
+                  <a:srgbClr val="795E26"/>
+                </a:solidFill>
+                <a:latin typeface="DM Mono" panose="020B0509040201040103" pitchFamily="49" charset="0"/>
+              </a:rPr>
+              <a:t>fclose</a:t>
+            </a:r>
+            <a:r>
+              <a:rPr lang="en" altLang="ko-Kore-KR" dirty="0">
+                <a:solidFill>
+                  <a:srgbClr val="000000"/>
+                </a:solidFill>
+                <a:latin typeface="DM Mono" panose="020B0509040201040103" pitchFamily="49" charset="0"/>
+              </a:rPr>
+              <a:t>(</a:t>
+            </a:r>
+            <a:r>
+              <a:rPr lang="en" altLang="ko-Kore-KR" dirty="0" err="1">
+                <a:solidFill>
+                  <a:srgbClr val="001080"/>
+                </a:solidFill>
+                <a:latin typeface="DM Mono" panose="020B0509040201040103" pitchFamily="49" charset="0"/>
+              </a:rPr>
+              <a:t>fp</a:t>
+            </a:r>
+            <a:r>
+              <a:rPr lang="en" altLang="ko-Kore-KR" dirty="0">
+                <a:solidFill>
+                  <a:srgbClr val="000000"/>
+                </a:solidFill>
+                <a:latin typeface="DM Mono" panose="020B0509040201040103" pitchFamily="49" charset="0"/>
+              </a:rPr>
+              <a:t>);</a:t>
+            </a:r>
+          </a:p>
+        </p:txBody>
+      </p:sp>
+      <p:sp>
+        <p:nvSpPr>
+          <p:cNvPr id="57" name="직사각형 56">
+            <a:extLst>
+              <a:ext uri="{FF2B5EF4-FFF2-40B4-BE49-F238E27FC236}">
+                <a16:creationId xmlns:a16="http://schemas.microsoft.com/office/drawing/2014/main" id="{F149CA64-80DD-1E91-5DEE-65F8773072C1}"/>
+              </a:ext>
+            </a:extLst>
+          </p:cNvPr>
+          <p:cNvSpPr/>
+          <p:nvPr/>
+        </p:nvSpPr>
+        <p:spPr>
+          <a:xfrm>
+            <a:off x="2411970" y="4938291"/>
+            <a:ext cx="401225" cy="518917"/>
+          </a:xfrm>
+          <a:prstGeom prst="rect">
+            <a:avLst/>
+          </a:prstGeom>
+          <a:solidFill>
+            <a:srgbClr val="FFFF00"/>
+          </a:solidFill>
+        </p:spPr>
+        <p:style>
+          <a:lnRef idx="2">
+            <a:schemeClr val="accent1">
+              <a:shade val="50000"/>
+            </a:schemeClr>
+          </a:lnRef>
+          <a:fillRef idx="1">
+            <a:schemeClr val="accent1"/>
+          </a:fillRef>
+          <a:effectRef idx="0">
+            <a:schemeClr val="accent1"/>
+          </a:effectRef>
+          <a:fontRef idx="minor">
+            <a:schemeClr val="lt1"/>
+          </a:fontRef>
+        </p:style>
+        <p:txBody>
+          <a:bodyPr rtlCol="0" anchor="ctr"/>
+          <a:lstStyle/>
+          <a:p>
+            <a:pPr algn="ctr"/>
+            <a:r>
+              <a:rPr kumimoji="1" lang="en-US" altLang="ko-Kore-KR" sz="1400" dirty="0">
+                <a:solidFill>
+                  <a:schemeClr val="tx1"/>
+                </a:solidFill>
+              </a:rPr>
+              <a:t>h</a:t>
+            </a:r>
+            <a:endParaRPr kumimoji="1" lang="ko-Kore-KR" altLang="en-US" sz="1400" dirty="0">
+              <a:solidFill>
+                <a:schemeClr val="tx1"/>
+              </a:solidFill>
+            </a:endParaRPr>
+          </a:p>
+        </p:txBody>
+      </p:sp>
+      <p:sp>
+        <p:nvSpPr>
+          <p:cNvPr id="15" name="직사각형 14">
+            <a:extLst>
+              <a:ext uri="{FF2B5EF4-FFF2-40B4-BE49-F238E27FC236}">
+                <a16:creationId xmlns:a16="http://schemas.microsoft.com/office/drawing/2014/main" id="{C9DB4550-1D60-D748-7770-AF53534A2FDA}"/>
+              </a:ext>
+            </a:extLst>
+          </p:cNvPr>
+          <p:cNvSpPr/>
+          <p:nvPr/>
+        </p:nvSpPr>
+        <p:spPr>
+          <a:xfrm>
+            <a:off x="2813195" y="4938291"/>
+            <a:ext cx="401225" cy="518917"/>
+          </a:xfrm>
+          <a:prstGeom prst="rect">
+            <a:avLst/>
+          </a:prstGeom>
+          <a:solidFill>
+            <a:srgbClr val="FFFF00"/>
+          </a:solidFill>
+        </p:spPr>
+        <p:style>
+          <a:lnRef idx="2">
+            <a:schemeClr val="accent1">
+              <a:shade val="50000"/>
+            </a:schemeClr>
+          </a:lnRef>
+          <a:fillRef idx="1">
+            <a:schemeClr val="accent1"/>
+          </a:fillRef>
+          <a:effectRef idx="0">
+            <a:schemeClr val="accent1"/>
+          </a:effectRef>
+          <a:fontRef idx="minor">
+            <a:schemeClr val="lt1"/>
+          </a:fontRef>
+        </p:style>
+        <p:txBody>
+          <a:bodyPr rtlCol="0" anchor="ctr"/>
+          <a:lstStyle/>
+          <a:p>
+            <a:pPr algn="ctr"/>
+            <a:r>
+              <a:rPr kumimoji="1" lang="en-US" altLang="ko-Kore-KR" sz="1400" dirty="0">
+                <a:solidFill>
+                  <a:schemeClr val="tx1"/>
+                </a:solidFill>
+              </a:rPr>
+              <a:t>e</a:t>
+            </a:r>
+            <a:endParaRPr kumimoji="1" lang="ko-Kore-KR" altLang="en-US" sz="1400" dirty="0">
+              <a:solidFill>
+                <a:schemeClr val="tx1"/>
+              </a:solidFill>
+            </a:endParaRPr>
+          </a:p>
+        </p:txBody>
+      </p:sp>
+      <p:sp>
+        <p:nvSpPr>
+          <p:cNvPr id="16" name="직사각형 15">
+            <a:extLst>
+              <a:ext uri="{FF2B5EF4-FFF2-40B4-BE49-F238E27FC236}">
+                <a16:creationId xmlns:a16="http://schemas.microsoft.com/office/drawing/2014/main" id="{810E6B0C-8852-1D3D-3246-94F126E68417}"/>
+              </a:ext>
+            </a:extLst>
+          </p:cNvPr>
+          <p:cNvSpPr/>
+          <p:nvPr/>
+        </p:nvSpPr>
+        <p:spPr>
+          <a:xfrm>
+            <a:off x="3214420" y="4938291"/>
+            <a:ext cx="401225" cy="518917"/>
+          </a:xfrm>
+          <a:prstGeom prst="rect">
+            <a:avLst/>
+          </a:prstGeom>
+          <a:solidFill>
+            <a:srgbClr val="FFFF00"/>
+          </a:solidFill>
+        </p:spPr>
+        <p:style>
+          <a:lnRef idx="2">
+            <a:schemeClr val="accent1">
+              <a:shade val="50000"/>
+            </a:schemeClr>
+          </a:lnRef>
+          <a:fillRef idx="1">
+            <a:schemeClr val="accent1"/>
+          </a:fillRef>
+          <a:effectRef idx="0">
+            <a:schemeClr val="accent1"/>
+          </a:effectRef>
+          <a:fontRef idx="minor">
+            <a:schemeClr val="lt1"/>
+          </a:fontRef>
+        </p:style>
+        <p:txBody>
+          <a:bodyPr rtlCol="0" anchor="ctr"/>
+          <a:lstStyle/>
+          <a:p>
+            <a:pPr algn="ctr"/>
+            <a:r>
+              <a:rPr kumimoji="1" lang="en-US" altLang="ko-Kore-KR" sz="1400" dirty="0">
+                <a:solidFill>
+                  <a:schemeClr val="tx1"/>
+                </a:solidFill>
+              </a:rPr>
+              <a:t>l</a:t>
+            </a:r>
+            <a:endParaRPr kumimoji="1" lang="ko-Kore-KR" altLang="en-US" sz="1400" dirty="0">
+              <a:solidFill>
+                <a:schemeClr val="tx1"/>
+              </a:solidFill>
+            </a:endParaRPr>
+          </a:p>
+        </p:txBody>
+      </p:sp>
+      <p:sp>
+        <p:nvSpPr>
+          <p:cNvPr id="17" name="직사각형 16">
+            <a:extLst>
+              <a:ext uri="{FF2B5EF4-FFF2-40B4-BE49-F238E27FC236}">
+                <a16:creationId xmlns:a16="http://schemas.microsoft.com/office/drawing/2014/main" id="{532DB0AE-943B-CC0E-A5AE-27C7A2739237}"/>
+              </a:ext>
+            </a:extLst>
+          </p:cNvPr>
+          <p:cNvSpPr/>
+          <p:nvPr/>
+        </p:nvSpPr>
+        <p:spPr>
+          <a:xfrm>
+            <a:off x="3615645" y="4938291"/>
+            <a:ext cx="401225" cy="518917"/>
+          </a:xfrm>
+          <a:prstGeom prst="rect">
+            <a:avLst/>
+          </a:prstGeom>
+          <a:solidFill>
+            <a:srgbClr val="FFFF00"/>
+          </a:solidFill>
+        </p:spPr>
+        <p:style>
+          <a:lnRef idx="2">
+            <a:schemeClr val="accent1">
+              <a:shade val="50000"/>
+            </a:schemeClr>
+          </a:lnRef>
+          <a:fillRef idx="1">
+            <a:schemeClr val="accent1"/>
+          </a:fillRef>
+          <a:effectRef idx="0">
+            <a:schemeClr val="accent1"/>
+          </a:effectRef>
+          <a:fontRef idx="minor">
+            <a:schemeClr val="lt1"/>
+          </a:fontRef>
+        </p:style>
+        <p:txBody>
+          <a:bodyPr rtlCol="0" anchor="ctr"/>
+          <a:lstStyle/>
+          <a:p>
+            <a:pPr algn="ctr"/>
+            <a:r>
+              <a:rPr kumimoji="1" lang="en-US" altLang="ko-Kore-KR" sz="1400" dirty="0">
+                <a:solidFill>
+                  <a:schemeClr val="tx1"/>
+                </a:solidFill>
+              </a:rPr>
+              <a:t>l</a:t>
+            </a:r>
+            <a:endParaRPr kumimoji="1" lang="ko-Kore-KR" altLang="en-US" sz="1400" dirty="0">
+              <a:solidFill>
+                <a:schemeClr val="tx1"/>
+              </a:solidFill>
+            </a:endParaRPr>
+          </a:p>
+        </p:txBody>
+      </p:sp>
+      <p:sp>
+        <p:nvSpPr>
+          <p:cNvPr id="18" name="직사각형 17">
+            <a:extLst>
+              <a:ext uri="{FF2B5EF4-FFF2-40B4-BE49-F238E27FC236}">
+                <a16:creationId xmlns:a16="http://schemas.microsoft.com/office/drawing/2014/main" id="{688189EB-F061-C45C-3509-0DEB399A5057}"/>
+              </a:ext>
+            </a:extLst>
+          </p:cNvPr>
+          <p:cNvSpPr/>
+          <p:nvPr/>
+        </p:nvSpPr>
+        <p:spPr>
+          <a:xfrm>
+            <a:off x="4016870" y="4938291"/>
+            <a:ext cx="401225" cy="518917"/>
+          </a:xfrm>
+          <a:prstGeom prst="rect">
+            <a:avLst/>
+          </a:prstGeom>
+          <a:solidFill>
+            <a:srgbClr val="FFFF00"/>
+          </a:solidFill>
+        </p:spPr>
+        <p:style>
+          <a:lnRef idx="2">
+            <a:schemeClr val="accent1">
+              <a:shade val="50000"/>
+            </a:schemeClr>
+          </a:lnRef>
+          <a:fillRef idx="1">
+            <a:schemeClr val="accent1"/>
+          </a:fillRef>
+          <a:effectRef idx="0">
+            <a:schemeClr val="accent1"/>
+          </a:effectRef>
+          <a:fontRef idx="minor">
+            <a:schemeClr val="lt1"/>
+          </a:fontRef>
+        </p:style>
+        <p:txBody>
+          <a:bodyPr rtlCol="0" anchor="ctr"/>
+          <a:lstStyle/>
+          <a:p>
+            <a:pPr algn="ctr"/>
+            <a:r>
+              <a:rPr kumimoji="1" lang="en-US" altLang="ko-Kore-KR" sz="1400" dirty="0">
+                <a:solidFill>
+                  <a:schemeClr val="tx1"/>
+                </a:solidFill>
+              </a:rPr>
+              <a:t>o</a:t>
+            </a:r>
+            <a:endParaRPr kumimoji="1" lang="ko-Kore-KR" altLang="en-US" sz="1400" dirty="0">
+              <a:solidFill>
+                <a:schemeClr val="tx1"/>
+              </a:solidFill>
+            </a:endParaRPr>
+          </a:p>
+        </p:txBody>
+      </p:sp>
+      <p:sp>
+        <p:nvSpPr>
+          <p:cNvPr id="19" name="직사각형 18">
+            <a:extLst>
+              <a:ext uri="{FF2B5EF4-FFF2-40B4-BE49-F238E27FC236}">
+                <a16:creationId xmlns:a16="http://schemas.microsoft.com/office/drawing/2014/main" id="{97C4F89D-12AD-EFA1-5AC8-A8069A1D9F9A}"/>
+              </a:ext>
+            </a:extLst>
+          </p:cNvPr>
+          <p:cNvSpPr/>
+          <p:nvPr/>
+        </p:nvSpPr>
+        <p:spPr>
+          <a:xfrm>
+            <a:off x="4418095" y="4938291"/>
+            <a:ext cx="401225" cy="518917"/>
+          </a:xfrm>
+          <a:prstGeom prst="rect">
+            <a:avLst/>
+          </a:prstGeom>
+          <a:solidFill>
+            <a:srgbClr val="FFFF00"/>
+          </a:solidFill>
+        </p:spPr>
+        <p:style>
+          <a:lnRef idx="2">
+            <a:schemeClr val="accent1">
+              <a:shade val="50000"/>
+            </a:schemeClr>
+          </a:lnRef>
+          <a:fillRef idx="1">
+            <a:schemeClr val="accent1"/>
+          </a:fillRef>
+          <a:effectRef idx="0">
+            <a:schemeClr val="accent1"/>
+          </a:effectRef>
+          <a:fontRef idx="minor">
+            <a:schemeClr val="lt1"/>
+          </a:fontRef>
+        </p:style>
+        <p:txBody>
+          <a:bodyPr rtlCol="0" anchor="ctr"/>
+          <a:lstStyle/>
+          <a:p>
+            <a:pPr algn="ctr"/>
+            <a:r>
+              <a:rPr kumimoji="1" lang="en-US" altLang="ko-Kore-KR" sz="1400" dirty="0">
+                <a:solidFill>
+                  <a:schemeClr val="tx1"/>
+                </a:solidFill>
+              </a:rPr>
+              <a:t>\n</a:t>
+            </a:r>
+            <a:endParaRPr kumimoji="1" lang="ko-Kore-KR" altLang="en-US" sz="1400" dirty="0">
+              <a:solidFill>
+                <a:schemeClr val="tx1"/>
+              </a:solidFill>
+            </a:endParaRPr>
+          </a:p>
+        </p:txBody>
+      </p:sp>
+      <p:sp>
+        <p:nvSpPr>
+          <p:cNvPr id="20" name="직사각형 19">
+            <a:extLst>
+              <a:ext uri="{FF2B5EF4-FFF2-40B4-BE49-F238E27FC236}">
+                <a16:creationId xmlns:a16="http://schemas.microsoft.com/office/drawing/2014/main" id="{FC293960-58D2-6C9A-0D0D-E240D2397DA1}"/>
+              </a:ext>
+            </a:extLst>
+          </p:cNvPr>
+          <p:cNvSpPr/>
+          <p:nvPr/>
+        </p:nvSpPr>
+        <p:spPr>
+          <a:xfrm>
+            <a:off x="4819320" y="4938291"/>
+            <a:ext cx="401225" cy="518917"/>
+          </a:xfrm>
+          <a:prstGeom prst="rect">
+            <a:avLst/>
+          </a:prstGeom>
+          <a:solidFill>
+            <a:srgbClr val="FFFF00"/>
+          </a:solidFill>
+        </p:spPr>
+        <p:style>
+          <a:lnRef idx="2">
+            <a:schemeClr val="accent1">
+              <a:shade val="50000"/>
+            </a:schemeClr>
+          </a:lnRef>
+          <a:fillRef idx="1">
+            <a:schemeClr val="accent1"/>
+          </a:fillRef>
+          <a:effectRef idx="0">
+            <a:schemeClr val="accent1"/>
+          </a:effectRef>
+          <a:fontRef idx="minor">
+            <a:schemeClr val="lt1"/>
+          </a:fontRef>
+        </p:style>
+        <p:txBody>
+          <a:bodyPr rtlCol="0" anchor="ctr"/>
+          <a:lstStyle/>
+          <a:p>
+            <a:pPr algn="ctr"/>
+            <a:endParaRPr kumimoji="1" lang="ko-Kore-KR" altLang="en-US" sz="1400" dirty="0">
+              <a:solidFill>
+                <a:schemeClr val="tx1"/>
+              </a:solidFill>
+            </a:endParaRPr>
+          </a:p>
+        </p:txBody>
+      </p:sp>
+      <p:sp>
+        <p:nvSpPr>
+          <p:cNvPr id="21" name="직사각형 20">
+            <a:extLst>
+              <a:ext uri="{FF2B5EF4-FFF2-40B4-BE49-F238E27FC236}">
+                <a16:creationId xmlns:a16="http://schemas.microsoft.com/office/drawing/2014/main" id="{A517E5CE-FA45-D672-84EC-24EE16970374}"/>
+              </a:ext>
+            </a:extLst>
+          </p:cNvPr>
+          <p:cNvSpPr/>
+          <p:nvPr/>
+        </p:nvSpPr>
+        <p:spPr>
+          <a:xfrm>
+            <a:off x="5220545" y="4938291"/>
+            <a:ext cx="401225" cy="518917"/>
+          </a:xfrm>
+          <a:prstGeom prst="rect">
+            <a:avLst/>
+          </a:prstGeom>
+          <a:solidFill>
+            <a:srgbClr val="FFFF00"/>
+          </a:solidFill>
+        </p:spPr>
+        <p:style>
+          <a:lnRef idx="2">
+            <a:schemeClr val="accent1">
+              <a:shade val="50000"/>
+            </a:schemeClr>
+          </a:lnRef>
+          <a:fillRef idx="1">
+            <a:schemeClr val="accent1"/>
+          </a:fillRef>
+          <a:effectRef idx="0">
+            <a:schemeClr val="accent1"/>
+          </a:effectRef>
+          <a:fontRef idx="minor">
+            <a:schemeClr val="lt1"/>
+          </a:fontRef>
+        </p:style>
+        <p:txBody>
+          <a:bodyPr rtlCol="0" anchor="ctr"/>
+          <a:lstStyle/>
+          <a:p>
+            <a:pPr algn="ctr"/>
+            <a:endParaRPr kumimoji="1" lang="ko-Kore-KR" altLang="en-US" sz="1400" dirty="0">
+              <a:solidFill>
+                <a:schemeClr val="tx1"/>
+              </a:solidFill>
+            </a:endParaRPr>
+          </a:p>
+        </p:txBody>
+      </p:sp>
+      <p:sp>
+        <p:nvSpPr>
+          <p:cNvPr id="22" name="직사각형 21">
+            <a:extLst>
+              <a:ext uri="{FF2B5EF4-FFF2-40B4-BE49-F238E27FC236}">
+                <a16:creationId xmlns:a16="http://schemas.microsoft.com/office/drawing/2014/main" id="{EA419065-CE16-4CCE-5730-B766DA8E85DA}"/>
+              </a:ext>
+            </a:extLst>
+          </p:cNvPr>
+          <p:cNvSpPr/>
+          <p:nvPr/>
+        </p:nvSpPr>
+        <p:spPr>
+          <a:xfrm>
+            <a:off x="5621770" y="4938291"/>
+            <a:ext cx="401225" cy="518917"/>
+          </a:xfrm>
+          <a:prstGeom prst="rect">
+            <a:avLst/>
+          </a:prstGeom>
+          <a:solidFill>
+            <a:srgbClr val="FFFF00"/>
+          </a:solidFill>
+        </p:spPr>
+        <p:style>
+          <a:lnRef idx="2">
+            <a:schemeClr val="accent1">
+              <a:shade val="50000"/>
+            </a:schemeClr>
+          </a:lnRef>
+          <a:fillRef idx="1">
+            <a:schemeClr val="accent1"/>
+          </a:fillRef>
+          <a:effectRef idx="0">
+            <a:schemeClr val="accent1"/>
+          </a:effectRef>
+          <a:fontRef idx="minor">
+            <a:schemeClr val="lt1"/>
+          </a:fontRef>
+        </p:style>
+        <p:txBody>
+          <a:bodyPr rtlCol="0" anchor="ctr"/>
+          <a:lstStyle/>
+          <a:p>
+            <a:pPr algn="ctr"/>
+            <a:endParaRPr kumimoji="1" lang="ko-Kore-KR" altLang="en-US" sz="1400" dirty="0">
+              <a:solidFill>
+                <a:schemeClr val="tx1"/>
+              </a:solidFill>
+            </a:endParaRPr>
+          </a:p>
+        </p:txBody>
+      </p:sp>
+      <p:sp>
+        <p:nvSpPr>
+          <p:cNvPr id="23" name="직사각형 22">
+            <a:extLst>
+              <a:ext uri="{FF2B5EF4-FFF2-40B4-BE49-F238E27FC236}">
+                <a16:creationId xmlns:a16="http://schemas.microsoft.com/office/drawing/2014/main" id="{8F8AFEB1-CC00-67F7-990E-1F22E1046A13}"/>
+              </a:ext>
+            </a:extLst>
+          </p:cNvPr>
+          <p:cNvSpPr/>
+          <p:nvPr/>
+        </p:nvSpPr>
+        <p:spPr>
+          <a:xfrm>
+            <a:off x="6022995" y="4938291"/>
+            <a:ext cx="401225" cy="518917"/>
+          </a:xfrm>
+          <a:prstGeom prst="rect">
+            <a:avLst/>
+          </a:prstGeom>
+          <a:solidFill>
+            <a:srgbClr val="FFFF00"/>
+          </a:solidFill>
+        </p:spPr>
+        <p:style>
+          <a:lnRef idx="2">
+            <a:schemeClr val="accent1">
+              <a:shade val="50000"/>
+            </a:schemeClr>
+          </a:lnRef>
+          <a:fillRef idx="1">
+            <a:schemeClr val="accent1"/>
+          </a:fillRef>
+          <a:effectRef idx="0">
+            <a:schemeClr val="accent1"/>
+          </a:effectRef>
+          <a:fontRef idx="minor">
+            <a:schemeClr val="lt1"/>
+          </a:fontRef>
+        </p:style>
+        <p:txBody>
+          <a:bodyPr rtlCol="0" anchor="ctr"/>
+          <a:lstStyle/>
+          <a:p>
+            <a:pPr algn="ctr"/>
+            <a:endParaRPr kumimoji="1" lang="ko-Kore-KR" altLang="en-US" sz="1400" dirty="0">
+              <a:solidFill>
+                <a:schemeClr val="tx1"/>
+              </a:solidFill>
+            </a:endParaRPr>
+          </a:p>
+        </p:txBody>
+      </p:sp>
+      <p:sp>
+        <p:nvSpPr>
+          <p:cNvPr id="24" name="직사각형 23">
+            <a:extLst>
+              <a:ext uri="{FF2B5EF4-FFF2-40B4-BE49-F238E27FC236}">
+                <a16:creationId xmlns:a16="http://schemas.microsoft.com/office/drawing/2014/main" id="{95C3263B-8E5A-2C88-746A-9830F1479EB6}"/>
+              </a:ext>
+            </a:extLst>
+          </p:cNvPr>
+          <p:cNvSpPr/>
+          <p:nvPr/>
+        </p:nvSpPr>
+        <p:spPr>
+          <a:xfrm>
+            <a:off x="6424220" y="4938291"/>
+            <a:ext cx="401225" cy="518917"/>
+          </a:xfrm>
+          <a:prstGeom prst="rect">
+            <a:avLst/>
+          </a:prstGeom>
+          <a:solidFill>
+            <a:srgbClr val="FFFF00"/>
+          </a:solidFill>
+        </p:spPr>
+        <p:style>
+          <a:lnRef idx="2">
+            <a:schemeClr val="accent1">
+              <a:shade val="50000"/>
+            </a:schemeClr>
+          </a:lnRef>
+          <a:fillRef idx="1">
+            <a:schemeClr val="accent1"/>
+          </a:fillRef>
+          <a:effectRef idx="0">
+            <a:schemeClr val="accent1"/>
+          </a:effectRef>
+          <a:fontRef idx="minor">
+            <a:schemeClr val="lt1"/>
+          </a:fontRef>
+        </p:style>
+        <p:txBody>
+          <a:bodyPr rtlCol="0" anchor="ctr"/>
+          <a:lstStyle/>
+          <a:p>
+            <a:pPr algn="ctr"/>
+            <a:endParaRPr kumimoji="1" lang="ko-Kore-KR" altLang="en-US" sz="1400" dirty="0">
+              <a:solidFill>
+                <a:schemeClr val="tx1"/>
+              </a:solidFill>
+            </a:endParaRPr>
+          </a:p>
+        </p:txBody>
+      </p:sp>
+      <p:sp>
+        <p:nvSpPr>
+          <p:cNvPr id="25" name="직사각형 24">
+            <a:extLst>
+              <a:ext uri="{FF2B5EF4-FFF2-40B4-BE49-F238E27FC236}">
+                <a16:creationId xmlns:a16="http://schemas.microsoft.com/office/drawing/2014/main" id="{69E73834-A069-78AA-0DA4-DEFF834E524D}"/>
+              </a:ext>
+            </a:extLst>
+          </p:cNvPr>
+          <p:cNvSpPr/>
+          <p:nvPr/>
+        </p:nvSpPr>
+        <p:spPr>
+          <a:xfrm>
+            <a:off x="6825445" y="4938291"/>
+            <a:ext cx="401225" cy="518917"/>
+          </a:xfrm>
+          <a:prstGeom prst="rect">
+            <a:avLst/>
+          </a:prstGeom>
+          <a:solidFill>
+            <a:srgbClr val="FFFF00"/>
+          </a:solidFill>
+        </p:spPr>
+        <p:style>
+          <a:lnRef idx="2">
+            <a:schemeClr val="accent1">
+              <a:shade val="50000"/>
+            </a:schemeClr>
+          </a:lnRef>
+          <a:fillRef idx="1">
+            <a:schemeClr val="accent1"/>
+          </a:fillRef>
+          <a:effectRef idx="0">
+            <a:schemeClr val="accent1"/>
+          </a:effectRef>
+          <a:fontRef idx="minor">
+            <a:schemeClr val="lt1"/>
+          </a:fontRef>
+        </p:style>
+        <p:txBody>
+          <a:bodyPr rtlCol="0" anchor="ctr"/>
+          <a:lstStyle/>
+          <a:p>
+            <a:pPr algn="ctr"/>
+            <a:endParaRPr kumimoji="1" lang="ko-Kore-KR" altLang="en-US" sz="1400" dirty="0">
+              <a:solidFill>
+                <a:schemeClr val="tx1"/>
+              </a:solidFill>
+            </a:endParaRPr>
+          </a:p>
+        </p:txBody>
+      </p:sp>
+      <p:sp>
+        <p:nvSpPr>
+          <p:cNvPr id="26" name="직사각형 25">
+            <a:extLst>
+              <a:ext uri="{FF2B5EF4-FFF2-40B4-BE49-F238E27FC236}">
+                <a16:creationId xmlns:a16="http://schemas.microsoft.com/office/drawing/2014/main" id="{D064F1B1-BC40-2209-8F38-7B05A32B6C5E}"/>
+              </a:ext>
+            </a:extLst>
+          </p:cNvPr>
+          <p:cNvSpPr/>
+          <p:nvPr/>
+        </p:nvSpPr>
+        <p:spPr>
+          <a:xfrm>
+            <a:off x="7226670" y="4938291"/>
+            <a:ext cx="401225" cy="518917"/>
+          </a:xfrm>
+          <a:prstGeom prst="rect">
+            <a:avLst/>
+          </a:prstGeom>
+          <a:solidFill>
+            <a:srgbClr val="FFFF00"/>
+          </a:solidFill>
+        </p:spPr>
+        <p:style>
+          <a:lnRef idx="2">
+            <a:schemeClr val="accent1">
+              <a:shade val="50000"/>
+            </a:schemeClr>
+          </a:lnRef>
+          <a:fillRef idx="1">
+            <a:schemeClr val="accent1"/>
+          </a:fillRef>
+          <a:effectRef idx="0">
+            <a:schemeClr val="accent1"/>
+          </a:effectRef>
+          <a:fontRef idx="minor">
+            <a:schemeClr val="lt1"/>
+          </a:fontRef>
+        </p:style>
+        <p:txBody>
+          <a:bodyPr rtlCol="0" anchor="ctr"/>
+          <a:lstStyle/>
+          <a:p>
+            <a:pPr algn="ctr"/>
+            <a:endParaRPr kumimoji="1" lang="ko-Kore-KR" altLang="en-US" sz="1400" dirty="0">
+              <a:solidFill>
+                <a:schemeClr val="tx1"/>
+              </a:solidFill>
+            </a:endParaRPr>
+          </a:p>
+        </p:txBody>
+      </p:sp>
+      <p:sp>
+        <p:nvSpPr>
+          <p:cNvPr id="27" name="직사각형 26">
+            <a:extLst>
+              <a:ext uri="{FF2B5EF4-FFF2-40B4-BE49-F238E27FC236}">
+                <a16:creationId xmlns:a16="http://schemas.microsoft.com/office/drawing/2014/main" id="{D57ACCFC-C62E-ACE7-8E87-1AE67C89D005}"/>
+              </a:ext>
+            </a:extLst>
+          </p:cNvPr>
+          <p:cNvSpPr/>
+          <p:nvPr/>
+        </p:nvSpPr>
+        <p:spPr>
+          <a:xfrm>
+            <a:off x="7627895" y="4938291"/>
+            <a:ext cx="401225" cy="518917"/>
+          </a:xfrm>
+          <a:prstGeom prst="rect">
+            <a:avLst/>
+          </a:prstGeom>
+          <a:solidFill>
+            <a:srgbClr val="FFFF00"/>
+          </a:solidFill>
+        </p:spPr>
+        <p:style>
+          <a:lnRef idx="2">
+            <a:schemeClr val="accent1">
+              <a:shade val="50000"/>
+            </a:schemeClr>
+          </a:lnRef>
+          <a:fillRef idx="1">
+            <a:schemeClr val="accent1"/>
+          </a:fillRef>
+          <a:effectRef idx="0">
+            <a:schemeClr val="accent1"/>
+          </a:effectRef>
+          <a:fontRef idx="minor">
+            <a:schemeClr val="lt1"/>
+          </a:fontRef>
+        </p:style>
+        <p:txBody>
+          <a:bodyPr rtlCol="0" anchor="ctr"/>
+          <a:lstStyle/>
+          <a:p>
+            <a:pPr algn="ctr"/>
+            <a:endParaRPr kumimoji="1" lang="ko-Kore-KR" altLang="en-US" sz="1400" dirty="0">
+              <a:solidFill>
+                <a:schemeClr val="tx1"/>
+              </a:solidFill>
+            </a:endParaRPr>
+          </a:p>
+        </p:txBody>
+      </p:sp>
+      <p:sp>
+        <p:nvSpPr>
+          <p:cNvPr id="28" name="직사각형 27">
+            <a:extLst>
+              <a:ext uri="{FF2B5EF4-FFF2-40B4-BE49-F238E27FC236}">
+                <a16:creationId xmlns:a16="http://schemas.microsoft.com/office/drawing/2014/main" id="{E7D73FA2-2ABF-7D50-65C0-6B91DB45A66F}"/>
+              </a:ext>
+            </a:extLst>
+          </p:cNvPr>
+          <p:cNvSpPr/>
+          <p:nvPr/>
+        </p:nvSpPr>
+        <p:spPr>
+          <a:xfrm>
+            <a:off x="8029120" y="4938291"/>
+            <a:ext cx="401225" cy="518917"/>
+          </a:xfrm>
+          <a:prstGeom prst="rect">
+            <a:avLst/>
+          </a:prstGeom>
+          <a:solidFill>
+            <a:srgbClr val="FFFF00"/>
+          </a:solidFill>
+        </p:spPr>
+        <p:style>
+          <a:lnRef idx="2">
+            <a:schemeClr val="accent1">
+              <a:shade val="50000"/>
+            </a:schemeClr>
+          </a:lnRef>
+          <a:fillRef idx="1">
+            <a:schemeClr val="accent1"/>
+          </a:fillRef>
+          <a:effectRef idx="0">
+            <a:schemeClr val="accent1"/>
+          </a:effectRef>
+          <a:fontRef idx="minor">
+            <a:schemeClr val="lt1"/>
+          </a:fontRef>
+        </p:style>
+        <p:txBody>
+          <a:bodyPr rtlCol="0" anchor="ctr"/>
+          <a:lstStyle/>
+          <a:p>
+            <a:pPr algn="ctr"/>
+            <a:endParaRPr kumimoji="1" lang="ko-Kore-KR" altLang="en-US" sz="1400" dirty="0">
+              <a:solidFill>
+                <a:schemeClr val="tx1"/>
+              </a:solidFill>
+            </a:endParaRPr>
+          </a:p>
+        </p:txBody>
+      </p:sp>
+      <p:sp>
+        <p:nvSpPr>
+          <p:cNvPr id="29" name="직사각형 28">
+            <a:extLst>
+              <a:ext uri="{FF2B5EF4-FFF2-40B4-BE49-F238E27FC236}">
+                <a16:creationId xmlns:a16="http://schemas.microsoft.com/office/drawing/2014/main" id="{528FC59F-2DE9-DCE0-3414-416C705A9799}"/>
+              </a:ext>
+            </a:extLst>
+          </p:cNvPr>
+          <p:cNvSpPr/>
+          <p:nvPr/>
+        </p:nvSpPr>
+        <p:spPr>
+          <a:xfrm>
+            <a:off x="8430345" y="4938291"/>
+            <a:ext cx="401225" cy="518917"/>
+          </a:xfrm>
+          <a:prstGeom prst="rect">
+            <a:avLst/>
+          </a:prstGeom>
+          <a:solidFill>
+            <a:srgbClr val="FFFF00"/>
+          </a:solidFill>
+        </p:spPr>
+        <p:style>
+          <a:lnRef idx="2">
+            <a:schemeClr val="accent1">
+              <a:shade val="50000"/>
+            </a:schemeClr>
+          </a:lnRef>
+          <a:fillRef idx="1">
+            <a:schemeClr val="accent1"/>
+          </a:fillRef>
+          <a:effectRef idx="0">
+            <a:schemeClr val="accent1"/>
+          </a:effectRef>
+          <a:fontRef idx="minor">
+            <a:schemeClr val="lt1"/>
+          </a:fontRef>
+        </p:style>
+        <p:txBody>
+          <a:bodyPr rtlCol="0" anchor="ctr"/>
+          <a:lstStyle/>
+          <a:p>
+            <a:pPr algn="ctr"/>
+            <a:endParaRPr kumimoji="1" lang="ko-Kore-KR" altLang="en-US" sz="1400" dirty="0">
+              <a:solidFill>
+                <a:schemeClr val="tx1"/>
+              </a:solidFill>
+            </a:endParaRPr>
+          </a:p>
+        </p:txBody>
+      </p:sp>
+      <p:sp>
+        <p:nvSpPr>
+          <p:cNvPr id="30" name="직사각형 29">
+            <a:extLst>
+              <a:ext uri="{FF2B5EF4-FFF2-40B4-BE49-F238E27FC236}">
+                <a16:creationId xmlns:a16="http://schemas.microsoft.com/office/drawing/2014/main" id="{ECDD53E5-324A-9878-3706-6EA5F49E0B05}"/>
+              </a:ext>
+            </a:extLst>
+          </p:cNvPr>
+          <p:cNvSpPr/>
+          <p:nvPr/>
+        </p:nvSpPr>
+        <p:spPr>
+          <a:xfrm>
+            <a:off x="8517370" y="1575810"/>
+            <a:ext cx="401225" cy="518917"/>
+          </a:xfrm>
+          <a:prstGeom prst="rect">
+            <a:avLst/>
+          </a:prstGeom>
+          <a:solidFill>
+            <a:srgbClr val="FFFF00"/>
+          </a:solidFill>
+        </p:spPr>
+        <p:style>
+          <a:lnRef idx="2">
+            <a:schemeClr val="accent1">
+              <a:shade val="50000"/>
+            </a:schemeClr>
+          </a:lnRef>
+          <a:fillRef idx="1">
+            <a:schemeClr val="accent1"/>
+          </a:fillRef>
+          <a:effectRef idx="0">
+            <a:schemeClr val="accent1"/>
+          </a:effectRef>
+          <a:fontRef idx="minor">
+            <a:schemeClr val="lt1"/>
+          </a:fontRef>
+        </p:style>
+        <p:txBody>
+          <a:bodyPr rtlCol="0" anchor="ctr"/>
+          <a:lstStyle/>
+          <a:p>
+            <a:pPr algn="ctr"/>
+            <a:r>
+              <a:rPr kumimoji="1" lang="en-US" altLang="ko-Kore-KR" sz="1400" dirty="0">
+                <a:solidFill>
+                  <a:schemeClr val="tx1"/>
+                </a:solidFill>
+              </a:rPr>
+              <a:t>6</a:t>
+            </a:r>
+            <a:endParaRPr kumimoji="1" lang="ko-Kore-KR" altLang="en-US" sz="1400" dirty="0">
+              <a:solidFill>
+                <a:schemeClr val="tx1"/>
+              </a:solidFill>
+            </a:endParaRPr>
+          </a:p>
+        </p:txBody>
+      </p:sp>
+      <p:sp>
+        <p:nvSpPr>
+          <p:cNvPr id="2" name="직사각형 1">
+            <a:extLst>
+              <a:ext uri="{FF2B5EF4-FFF2-40B4-BE49-F238E27FC236}">
+                <a16:creationId xmlns:a16="http://schemas.microsoft.com/office/drawing/2014/main" id="{F9C56EB4-DC72-AD14-56D7-91E3ED61CE11}"/>
+              </a:ext>
+            </a:extLst>
+          </p:cNvPr>
+          <p:cNvSpPr/>
+          <p:nvPr/>
+        </p:nvSpPr>
+        <p:spPr>
+          <a:xfrm>
+            <a:off x="7769350" y="1575810"/>
+            <a:ext cx="736099" cy="369332"/>
+          </a:xfrm>
+          <a:prstGeom prst="rect">
+            <a:avLst/>
+          </a:prstGeom>
+        </p:spPr>
+        <p:txBody>
+          <a:bodyPr wrap="none">
+            <a:spAutoFit/>
+          </a:bodyPr>
+          <a:lstStyle/>
+          <a:p>
+            <a:r>
+              <a:rPr lang="en" altLang="ko-Kore-KR" dirty="0" err="1">
+                <a:solidFill>
+                  <a:srgbClr val="001080"/>
+                </a:solidFill>
+                <a:latin typeface="DM Mono" panose="020B0509040201040103" pitchFamily="49" charset="0"/>
+              </a:rPr>
+              <a:t>fpos</a:t>
+            </a:r>
+            <a:endParaRPr lang="ko-Kore-KR" altLang="en-US" dirty="0"/>
+          </a:p>
+        </p:txBody>
+      </p:sp>
+      <p:cxnSp>
+        <p:nvCxnSpPr>
+          <p:cNvPr id="5" name="구부러진 연결선[U] 4">
+            <a:extLst>
+              <a:ext uri="{FF2B5EF4-FFF2-40B4-BE49-F238E27FC236}">
+                <a16:creationId xmlns:a16="http://schemas.microsoft.com/office/drawing/2014/main" id="{BE845E46-3BF6-CFEF-4D52-1A1252A8F28A}"/>
+              </a:ext>
+            </a:extLst>
+          </p:cNvPr>
+          <p:cNvCxnSpPr>
+            <a:cxnSpLocks/>
+            <a:stCxn id="30" idx="2"/>
+            <a:endCxn id="20" idx="0"/>
+          </p:cNvCxnSpPr>
+          <p:nvPr/>
+        </p:nvCxnSpPr>
+        <p:spPr>
+          <a:xfrm rot="5400000">
+            <a:off x="5447176" y="1667484"/>
+            <a:ext cx="2843564" cy="3698050"/>
+          </a:xfrm>
+          <a:prstGeom prst="curvedConnector3">
+            <a:avLst/>
+          </a:prstGeom>
+          <a:ln>
+            <a:tailEnd type="triangle"/>
+          </a:ln>
+        </p:spPr>
+        <p:style>
+          <a:lnRef idx="1">
+            <a:schemeClr val="accent1"/>
+          </a:lnRef>
+          <a:fillRef idx="0">
+            <a:schemeClr val="accent1"/>
+          </a:fillRef>
+          <a:effectRef idx="0">
+            <a:schemeClr val="accent1"/>
+          </a:effectRef>
+          <a:fontRef idx="minor">
+            <a:schemeClr val="tx1"/>
+          </a:fontRef>
+        </p:style>
+      </p:cxnSp>
+    </p:spTree>
+    <p:extLst>
+      <p:ext uri="{BB962C8B-B14F-4D97-AF65-F5344CB8AC3E}">
+        <p14:creationId xmlns:p14="http://schemas.microsoft.com/office/powerpoint/2010/main" val="303766986"/>
+      </p:ext>
+    </p:extLst>
+  </p:cSld>
+  <p:clrMapOvr>
+    <a:masterClrMapping/>
+  </p:clrMapOvr>
+</p:sld>
+</file>
+
+<file path=ppt/slides/slide27.xml><?xml version="1.0" encoding="utf-8"?>
+<p:sld xmlns:a="http://schemas.openxmlformats.org/drawingml/2006/main" xmlns:r="http://schemas.openxmlformats.org/officeDocument/2006/relationships" xmlns:p="http://schemas.openxmlformats.org/presentationml/2006/main">
+  <p:cSld>
+    <p:spTree>
+      <p:nvGrpSpPr>
+        <p:cNvPr id="1" name=""/>
+        <p:cNvGrpSpPr/>
+        <p:nvPr/>
+      </p:nvGrpSpPr>
+      <p:grpSpPr>
+        <a:xfrm>
+          <a:off x="0" y="0"/>
+          <a:ext cx="0" cy="0"/>
+          <a:chOff x="0" y="0"/>
+          <a:chExt cx="0" cy="0"/>
+        </a:xfrm>
+      </p:grpSpPr>
+      <p:sp>
+        <p:nvSpPr>
+          <p:cNvPr id="4" name="직사각형 3">
+            <a:extLst>
+              <a:ext uri="{FF2B5EF4-FFF2-40B4-BE49-F238E27FC236}">
+                <a16:creationId xmlns:a16="http://schemas.microsoft.com/office/drawing/2014/main" id="{2783C786-A6E3-D4D7-71E1-AD9CF08888AC}"/>
+              </a:ext>
+            </a:extLst>
+          </p:cNvPr>
+          <p:cNvSpPr/>
+          <p:nvPr/>
+        </p:nvSpPr>
+        <p:spPr>
+          <a:xfrm>
+            <a:off x="276225" y="109568"/>
+            <a:ext cx="6210300" cy="4524315"/>
+          </a:xfrm>
+          <a:prstGeom prst="rect">
+            <a:avLst/>
+          </a:prstGeom>
+        </p:spPr>
+        <p:txBody>
+          <a:bodyPr wrap="square">
+            <a:spAutoFit/>
+          </a:bodyPr>
+          <a:lstStyle/>
+          <a:p>
+            <a:r>
+              <a:rPr lang="en" altLang="ko-Kore-KR" dirty="0">
+                <a:solidFill>
+                  <a:srgbClr val="267F99"/>
+                </a:solidFill>
+                <a:latin typeface="DM Mono" panose="020B0509040201040103" pitchFamily="49" charset="0"/>
+              </a:rPr>
+              <a:t>FILE</a:t>
+            </a:r>
+            <a:r>
+              <a:rPr lang="en" altLang="ko-Kore-KR" dirty="0">
+                <a:solidFill>
+                  <a:srgbClr val="000000"/>
+                </a:solidFill>
+                <a:latin typeface="DM Mono" panose="020B0509040201040103" pitchFamily="49" charset="0"/>
+              </a:rPr>
+              <a:t>* </a:t>
+            </a:r>
+            <a:r>
+              <a:rPr lang="en" altLang="ko-Kore-KR" dirty="0" err="1">
+                <a:solidFill>
+                  <a:srgbClr val="001080"/>
+                </a:solidFill>
+                <a:latin typeface="DM Mono" panose="020B0509040201040103" pitchFamily="49" charset="0"/>
+              </a:rPr>
+              <a:t>fp</a:t>
+            </a:r>
+            <a:r>
+              <a:rPr lang="en" altLang="ko-Kore-KR" dirty="0">
+                <a:solidFill>
+                  <a:srgbClr val="000000"/>
+                </a:solidFill>
+                <a:latin typeface="DM Mono" panose="020B0509040201040103" pitchFamily="49" charset="0"/>
+              </a:rPr>
+              <a:t> = </a:t>
+            </a:r>
+            <a:r>
+              <a:rPr lang="en" altLang="ko-Kore-KR" dirty="0" err="1">
+                <a:solidFill>
+                  <a:srgbClr val="795E26"/>
+                </a:solidFill>
+                <a:latin typeface="DM Mono" panose="020B0509040201040103" pitchFamily="49" charset="0"/>
+              </a:rPr>
+              <a:t>fopen</a:t>
+            </a:r>
+            <a:r>
+              <a:rPr lang="en" altLang="ko-Kore-KR" dirty="0">
+                <a:solidFill>
+                  <a:srgbClr val="000000"/>
+                </a:solidFill>
+                <a:latin typeface="DM Mono" panose="020B0509040201040103" pitchFamily="49" charset="0"/>
+              </a:rPr>
+              <a:t>(</a:t>
+            </a:r>
+            <a:r>
+              <a:rPr lang="en" altLang="ko-Kore-KR" dirty="0">
+                <a:solidFill>
+                  <a:srgbClr val="A31515"/>
+                </a:solidFill>
+                <a:latin typeface="DM Mono" panose="020B0509040201040103" pitchFamily="49" charset="0"/>
+              </a:rPr>
+              <a:t>"</a:t>
+            </a:r>
+            <a:r>
+              <a:rPr lang="en" altLang="ko-Kore-KR" dirty="0" err="1">
+                <a:solidFill>
+                  <a:srgbClr val="A31515"/>
+                </a:solidFill>
+                <a:latin typeface="DM Mono" panose="020B0509040201040103" pitchFamily="49" charset="0"/>
+              </a:rPr>
+              <a:t>test.txt</a:t>
+            </a:r>
+            <a:r>
+              <a:rPr lang="en" altLang="ko-Kore-KR" dirty="0">
+                <a:solidFill>
+                  <a:srgbClr val="A31515"/>
+                </a:solidFill>
+                <a:latin typeface="DM Mono" panose="020B0509040201040103" pitchFamily="49" charset="0"/>
+              </a:rPr>
+              <a:t>"</a:t>
+            </a:r>
+            <a:r>
+              <a:rPr lang="en" altLang="ko-Kore-KR" dirty="0">
+                <a:solidFill>
+                  <a:srgbClr val="000000"/>
+                </a:solidFill>
+                <a:latin typeface="DM Mono" panose="020B0509040201040103" pitchFamily="49" charset="0"/>
+              </a:rPr>
+              <a:t>, </a:t>
+            </a:r>
+            <a:r>
+              <a:rPr lang="en" altLang="ko-Kore-KR" dirty="0">
+                <a:solidFill>
+                  <a:srgbClr val="A31515"/>
+                </a:solidFill>
+                <a:latin typeface="DM Mono" panose="020B0509040201040103" pitchFamily="49" charset="0"/>
+              </a:rPr>
+              <a:t>"w+"</a:t>
+            </a:r>
+            <a:r>
+              <a:rPr lang="en" altLang="ko-Kore-KR" dirty="0">
+                <a:solidFill>
+                  <a:srgbClr val="000000"/>
+                </a:solidFill>
+                <a:latin typeface="DM Mono" panose="020B0509040201040103" pitchFamily="49" charset="0"/>
+              </a:rPr>
+              <a:t>); </a:t>
+            </a:r>
+            <a:r>
+              <a:rPr lang="en" altLang="ko-Kore-KR" dirty="0">
+                <a:solidFill>
+                  <a:srgbClr val="008000"/>
+                </a:solidFill>
+                <a:latin typeface="DM Mono" panose="020B0509040201040103" pitchFamily="49" charset="0"/>
+              </a:rPr>
+              <a:t>// write + read</a:t>
+            </a:r>
+            <a:endParaRPr lang="en" altLang="ko-Kore-KR" dirty="0">
+              <a:solidFill>
+                <a:srgbClr val="000000"/>
+              </a:solidFill>
+              <a:latin typeface="DM Mono" panose="020B0509040201040103" pitchFamily="49" charset="0"/>
+            </a:endParaRPr>
+          </a:p>
+          <a:p>
+            <a:r>
+              <a:rPr lang="en" altLang="ko-Kore-KR" dirty="0">
+                <a:solidFill>
+                  <a:srgbClr val="AF00DB"/>
+                </a:solidFill>
+                <a:latin typeface="DM Mono" panose="020B0509040201040103" pitchFamily="49" charset="0"/>
+              </a:rPr>
+              <a:t>if</a:t>
+            </a:r>
+            <a:r>
+              <a:rPr lang="en" altLang="ko-Kore-KR" dirty="0">
+                <a:solidFill>
+                  <a:srgbClr val="000000"/>
+                </a:solidFill>
+                <a:latin typeface="DM Mono" panose="020B0509040201040103" pitchFamily="49" charset="0"/>
+              </a:rPr>
+              <a:t> (</a:t>
+            </a:r>
+            <a:r>
+              <a:rPr lang="en" altLang="ko-Kore-KR" dirty="0" err="1">
+                <a:solidFill>
+                  <a:srgbClr val="001080"/>
+                </a:solidFill>
+                <a:latin typeface="DM Mono" panose="020B0509040201040103" pitchFamily="49" charset="0"/>
+              </a:rPr>
+              <a:t>fp</a:t>
+            </a:r>
+            <a:r>
+              <a:rPr lang="en" altLang="ko-Kore-KR" dirty="0">
+                <a:solidFill>
+                  <a:srgbClr val="000000"/>
+                </a:solidFill>
+                <a:latin typeface="DM Mono" panose="020B0509040201040103" pitchFamily="49" charset="0"/>
+              </a:rPr>
+              <a:t> == </a:t>
+            </a:r>
+            <a:r>
+              <a:rPr lang="en" altLang="ko-Kore-KR" dirty="0">
+                <a:solidFill>
+                  <a:srgbClr val="0000FF"/>
+                </a:solidFill>
+                <a:latin typeface="DM Mono" panose="020B0509040201040103" pitchFamily="49" charset="0"/>
+              </a:rPr>
+              <a:t>NULL</a:t>
+            </a:r>
+            <a:r>
+              <a:rPr lang="en" altLang="ko-Kore-KR" dirty="0">
+                <a:solidFill>
+                  <a:srgbClr val="000000"/>
+                </a:solidFill>
+                <a:latin typeface="DM Mono" panose="020B0509040201040103" pitchFamily="49" charset="0"/>
+              </a:rPr>
+              <a:t>) {</a:t>
+            </a:r>
+          </a:p>
+          <a:p>
+            <a:r>
+              <a:rPr lang="en" altLang="ko-Kore-KR" dirty="0" err="1">
+                <a:solidFill>
+                  <a:srgbClr val="795E26"/>
+                </a:solidFill>
+                <a:latin typeface="DM Mono" panose="020B0509040201040103" pitchFamily="49" charset="0"/>
+              </a:rPr>
+              <a:t>fprintf</a:t>
+            </a:r>
+            <a:r>
+              <a:rPr lang="en" altLang="ko-Kore-KR" dirty="0">
+                <a:solidFill>
+                  <a:srgbClr val="000000"/>
+                </a:solidFill>
+                <a:latin typeface="DM Mono" panose="020B0509040201040103" pitchFamily="49" charset="0"/>
+              </a:rPr>
+              <a:t>(</a:t>
+            </a:r>
+            <a:r>
+              <a:rPr lang="en" altLang="ko-Kore-KR" dirty="0">
+                <a:solidFill>
+                  <a:srgbClr val="0000FF"/>
+                </a:solidFill>
+                <a:latin typeface="DM Mono" panose="020B0509040201040103" pitchFamily="49" charset="0"/>
+              </a:rPr>
+              <a:t>stderr</a:t>
+            </a:r>
+            <a:r>
+              <a:rPr lang="en" altLang="ko-Kore-KR" dirty="0">
+                <a:solidFill>
+                  <a:srgbClr val="000000"/>
+                </a:solidFill>
+                <a:latin typeface="DM Mono" panose="020B0509040201040103" pitchFamily="49" charset="0"/>
+              </a:rPr>
+              <a:t>, </a:t>
+            </a:r>
+            <a:r>
+              <a:rPr lang="en" altLang="ko-Kore-KR" dirty="0">
+                <a:solidFill>
+                  <a:srgbClr val="A31515"/>
+                </a:solidFill>
+                <a:latin typeface="DM Mono" panose="020B0509040201040103" pitchFamily="49" charset="0"/>
+              </a:rPr>
+              <a:t>"file open error!</a:t>
+            </a:r>
+            <a:r>
+              <a:rPr lang="en" altLang="ko-Kore-KR" dirty="0">
+                <a:solidFill>
+                  <a:srgbClr val="EE0000"/>
+                </a:solidFill>
+                <a:latin typeface="DM Mono" panose="020B0509040201040103" pitchFamily="49" charset="0"/>
+              </a:rPr>
+              <a:t>\n</a:t>
+            </a:r>
+            <a:r>
+              <a:rPr lang="en" altLang="ko-Kore-KR" dirty="0">
+                <a:solidFill>
+                  <a:srgbClr val="A31515"/>
+                </a:solidFill>
+                <a:latin typeface="DM Mono" panose="020B0509040201040103" pitchFamily="49" charset="0"/>
+              </a:rPr>
+              <a:t>"</a:t>
+            </a:r>
+            <a:r>
+              <a:rPr lang="en" altLang="ko-Kore-KR" dirty="0">
+                <a:solidFill>
+                  <a:srgbClr val="000000"/>
+                </a:solidFill>
+                <a:latin typeface="DM Mono" panose="020B0509040201040103" pitchFamily="49" charset="0"/>
+              </a:rPr>
+              <a:t>);</a:t>
+            </a:r>
+          </a:p>
+          <a:p>
+            <a:r>
+              <a:rPr lang="en" altLang="ko-Kore-KR" dirty="0">
+                <a:solidFill>
+                  <a:srgbClr val="AF00DB"/>
+                </a:solidFill>
+                <a:latin typeface="DM Mono" panose="020B0509040201040103" pitchFamily="49" charset="0"/>
+              </a:rPr>
+              <a:t>return</a:t>
+            </a:r>
+            <a:r>
+              <a:rPr lang="en" altLang="ko-Kore-KR" dirty="0">
+                <a:solidFill>
+                  <a:srgbClr val="000000"/>
+                </a:solidFill>
+                <a:latin typeface="DM Mono" panose="020B0509040201040103" pitchFamily="49" charset="0"/>
+              </a:rPr>
+              <a:t> </a:t>
+            </a:r>
+            <a:r>
+              <a:rPr lang="en" altLang="ko-Kore-KR" dirty="0">
+                <a:solidFill>
+                  <a:srgbClr val="098658"/>
+                </a:solidFill>
+                <a:latin typeface="DM Mono" panose="020B0509040201040103" pitchFamily="49" charset="0"/>
+              </a:rPr>
+              <a:t>1</a:t>
+            </a:r>
+            <a:r>
+              <a:rPr lang="en" altLang="ko-Kore-KR" dirty="0">
+                <a:solidFill>
+                  <a:srgbClr val="000000"/>
+                </a:solidFill>
+                <a:latin typeface="DM Mono" panose="020B0509040201040103" pitchFamily="49" charset="0"/>
+              </a:rPr>
+              <a:t>;</a:t>
+            </a:r>
+          </a:p>
+          <a:p>
+            <a:r>
+              <a:rPr lang="en" altLang="ko-Kore-KR" dirty="0">
+                <a:solidFill>
+                  <a:srgbClr val="000000"/>
+                </a:solidFill>
+                <a:latin typeface="DM Mono" panose="020B0509040201040103" pitchFamily="49" charset="0"/>
+              </a:rPr>
+              <a:t>}</a:t>
+            </a:r>
+          </a:p>
+          <a:p>
+            <a:br>
+              <a:rPr lang="en" altLang="ko-Kore-KR" dirty="0">
+                <a:latin typeface="DM Mono" panose="020B0509040201040103" pitchFamily="49" charset="0"/>
+              </a:rPr>
+            </a:br>
+            <a:r>
+              <a:rPr lang="en" altLang="ko-Kore-KR" dirty="0" err="1">
+                <a:latin typeface="DM Mono" panose="020B0509040201040103" pitchFamily="49" charset="0"/>
+              </a:rPr>
+              <a:t>fprintf</a:t>
+            </a:r>
+            <a:r>
+              <a:rPr lang="en" altLang="ko-Kore-KR" dirty="0">
+                <a:latin typeface="DM Mono" panose="020B0509040201040103" pitchFamily="49" charset="0"/>
+              </a:rPr>
+              <a:t>(</a:t>
+            </a:r>
+            <a:r>
+              <a:rPr lang="en" altLang="ko-Kore-KR" dirty="0" err="1">
+                <a:latin typeface="DM Mono" panose="020B0509040201040103" pitchFamily="49" charset="0"/>
+              </a:rPr>
+              <a:t>fp</a:t>
+            </a:r>
+            <a:r>
+              <a:rPr lang="en" altLang="ko-Kore-KR" dirty="0">
+                <a:latin typeface="DM Mono" panose="020B0509040201040103" pitchFamily="49" charset="0"/>
+              </a:rPr>
+              <a:t>, "hello\n");</a:t>
+            </a:r>
+          </a:p>
+          <a:p>
+            <a:r>
+              <a:rPr lang="en" altLang="ko-Kore-KR" dirty="0" err="1">
+                <a:solidFill>
+                  <a:srgbClr val="FF0000"/>
+                </a:solidFill>
+                <a:latin typeface="DM Mono" panose="020B0509040201040103" pitchFamily="49" charset="0"/>
+              </a:rPr>
+              <a:t>fseek</a:t>
+            </a:r>
+            <a:r>
+              <a:rPr lang="en" altLang="ko-Kore-KR" dirty="0">
+                <a:solidFill>
+                  <a:srgbClr val="FF0000"/>
+                </a:solidFill>
+                <a:latin typeface="DM Mono" panose="020B0509040201040103" pitchFamily="49" charset="0"/>
+              </a:rPr>
+              <a:t>(</a:t>
+            </a:r>
+            <a:r>
+              <a:rPr lang="en" altLang="ko-Kore-KR" dirty="0" err="1">
+                <a:solidFill>
+                  <a:srgbClr val="FF0000"/>
+                </a:solidFill>
+                <a:latin typeface="DM Mono" panose="020B0509040201040103" pitchFamily="49" charset="0"/>
+              </a:rPr>
+              <a:t>fp</a:t>
+            </a:r>
+            <a:r>
+              <a:rPr lang="en" altLang="ko-Kore-KR" dirty="0">
+                <a:solidFill>
+                  <a:srgbClr val="FF0000"/>
+                </a:solidFill>
+                <a:latin typeface="DM Mono" panose="020B0509040201040103" pitchFamily="49" charset="0"/>
+              </a:rPr>
+              <a:t>, 0, SEEK_SET);</a:t>
+            </a:r>
+          </a:p>
+          <a:p>
+            <a:endParaRPr lang="en" altLang="ko-Kore-KR" b="1" dirty="0">
+              <a:solidFill>
+                <a:srgbClr val="000000"/>
+              </a:solidFill>
+              <a:latin typeface="DM Mono" panose="020B0509040201040103" pitchFamily="49" charset="0"/>
+            </a:endParaRPr>
+          </a:p>
+          <a:p>
+            <a:br>
+              <a:rPr lang="en" altLang="ko-Kore-KR" dirty="0">
+                <a:solidFill>
+                  <a:srgbClr val="000000"/>
+                </a:solidFill>
+                <a:latin typeface="DM Mono" panose="020B0509040201040103" pitchFamily="49" charset="0"/>
+              </a:rPr>
+            </a:br>
+            <a:r>
+              <a:rPr lang="en" altLang="ko-Kore-KR" dirty="0">
+                <a:solidFill>
+                  <a:srgbClr val="0000FF"/>
+                </a:solidFill>
+                <a:latin typeface="DM Mono" panose="020B0509040201040103" pitchFamily="49" charset="0"/>
+              </a:rPr>
+              <a:t>char</a:t>
+            </a:r>
+            <a:r>
+              <a:rPr lang="en" altLang="ko-Kore-KR" dirty="0">
+                <a:solidFill>
+                  <a:srgbClr val="000000"/>
+                </a:solidFill>
+                <a:latin typeface="DM Mono" panose="020B0509040201040103" pitchFamily="49" charset="0"/>
+              </a:rPr>
+              <a:t> </a:t>
+            </a:r>
+            <a:r>
+              <a:rPr lang="en" altLang="ko-Kore-KR" dirty="0" err="1">
+                <a:solidFill>
+                  <a:srgbClr val="001080"/>
+                </a:solidFill>
+                <a:latin typeface="DM Mono" panose="020B0509040201040103" pitchFamily="49" charset="0"/>
+              </a:rPr>
+              <a:t>buf</a:t>
+            </a:r>
+            <a:r>
+              <a:rPr lang="en" altLang="ko-Kore-KR" dirty="0">
+                <a:solidFill>
+                  <a:srgbClr val="000000"/>
+                </a:solidFill>
+                <a:latin typeface="DM Mono" panose="020B0509040201040103" pitchFamily="49" charset="0"/>
+              </a:rPr>
+              <a:t>[</a:t>
+            </a:r>
+            <a:r>
+              <a:rPr lang="en" altLang="ko-Kore-KR" dirty="0">
+                <a:solidFill>
+                  <a:srgbClr val="098658"/>
+                </a:solidFill>
+                <a:latin typeface="DM Mono" panose="020B0509040201040103" pitchFamily="49" charset="0"/>
+              </a:rPr>
+              <a:t>32</a:t>
+            </a:r>
+            <a:r>
+              <a:rPr lang="en" altLang="ko-Kore-KR" dirty="0">
+                <a:solidFill>
+                  <a:srgbClr val="000000"/>
+                </a:solidFill>
+                <a:latin typeface="DM Mono" panose="020B0509040201040103" pitchFamily="49" charset="0"/>
+              </a:rPr>
+              <a:t>];</a:t>
+            </a:r>
+          </a:p>
+          <a:p>
+            <a:r>
+              <a:rPr lang="en" altLang="ko-Kore-KR" dirty="0" err="1">
+                <a:solidFill>
+                  <a:srgbClr val="795E26"/>
+                </a:solidFill>
+                <a:latin typeface="DM Mono" panose="020B0509040201040103" pitchFamily="49" charset="0"/>
+              </a:rPr>
+              <a:t>fscanf</a:t>
+            </a:r>
+            <a:r>
+              <a:rPr lang="en" altLang="ko-Kore-KR" dirty="0">
+                <a:solidFill>
+                  <a:srgbClr val="000000"/>
+                </a:solidFill>
+                <a:latin typeface="DM Mono" panose="020B0509040201040103" pitchFamily="49" charset="0"/>
+              </a:rPr>
+              <a:t>(</a:t>
+            </a:r>
+            <a:r>
+              <a:rPr lang="en" altLang="ko-Kore-KR" dirty="0" err="1">
+                <a:solidFill>
+                  <a:srgbClr val="001080"/>
+                </a:solidFill>
+                <a:latin typeface="DM Mono" panose="020B0509040201040103" pitchFamily="49" charset="0"/>
+              </a:rPr>
+              <a:t>fp</a:t>
+            </a:r>
+            <a:r>
+              <a:rPr lang="en" altLang="ko-Kore-KR" dirty="0">
+                <a:solidFill>
+                  <a:srgbClr val="000000"/>
+                </a:solidFill>
+                <a:latin typeface="DM Mono" panose="020B0509040201040103" pitchFamily="49" charset="0"/>
+              </a:rPr>
+              <a:t>, </a:t>
+            </a:r>
+            <a:r>
+              <a:rPr lang="en" altLang="ko-Kore-KR" dirty="0">
+                <a:solidFill>
+                  <a:srgbClr val="A31515"/>
+                </a:solidFill>
+                <a:latin typeface="DM Mono" panose="020B0509040201040103" pitchFamily="49" charset="0"/>
+              </a:rPr>
+              <a:t>"</a:t>
+            </a:r>
+            <a:r>
+              <a:rPr lang="en" altLang="ko-Kore-KR" dirty="0">
+                <a:solidFill>
+                  <a:srgbClr val="001080"/>
+                </a:solidFill>
+                <a:latin typeface="DM Mono" panose="020B0509040201040103" pitchFamily="49" charset="0"/>
+              </a:rPr>
+              <a:t>%s</a:t>
+            </a:r>
+            <a:r>
+              <a:rPr lang="en" altLang="ko-Kore-KR" dirty="0">
+                <a:solidFill>
+                  <a:srgbClr val="A31515"/>
+                </a:solidFill>
+                <a:latin typeface="DM Mono" panose="020B0509040201040103" pitchFamily="49" charset="0"/>
+              </a:rPr>
+              <a:t>"</a:t>
+            </a:r>
+            <a:r>
+              <a:rPr lang="en" altLang="ko-Kore-KR" dirty="0">
+                <a:solidFill>
+                  <a:srgbClr val="000000"/>
+                </a:solidFill>
+                <a:latin typeface="DM Mono" panose="020B0509040201040103" pitchFamily="49" charset="0"/>
+              </a:rPr>
+              <a:t>, </a:t>
+            </a:r>
+            <a:r>
+              <a:rPr lang="en" altLang="ko-Kore-KR" dirty="0" err="1">
+                <a:solidFill>
+                  <a:srgbClr val="001080"/>
+                </a:solidFill>
+                <a:latin typeface="DM Mono" panose="020B0509040201040103" pitchFamily="49" charset="0"/>
+              </a:rPr>
+              <a:t>buf</a:t>
+            </a:r>
+            <a:r>
+              <a:rPr lang="en" altLang="ko-Kore-KR" dirty="0">
+                <a:solidFill>
+                  <a:srgbClr val="000000"/>
+                </a:solidFill>
+                <a:latin typeface="DM Mono" panose="020B0509040201040103" pitchFamily="49" charset="0"/>
+              </a:rPr>
+              <a:t>);</a:t>
+            </a:r>
+          </a:p>
+          <a:p>
+            <a:r>
+              <a:rPr lang="en" altLang="ko-Kore-KR" dirty="0" err="1">
+                <a:solidFill>
+                  <a:srgbClr val="795E26"/>
+                </a:solidFill>
+                <a:latin typeface="DM Mono" panose="020B0509040201040103" pitchFamily="49" charset="0"/>
+              </a:rPr>
+              <a:t>printf</a:t>
+            </a:r>
+            <a:r>
+              <a:rPr lang="en" altLang="ko-Kore-KR" dirty="0">
+                <a:solidFill>
+                  <a:srgbClr val="000000"/>
+                </a:solidFill>
+                <a:latin typeface="DM Mono" panose="020B0509040201040103" pitchFamily="49" charset="0"/>
+              </a:rPr>
+              <a:t>(</a:t>
+            </a:r>
+            <a:r>
+              <a:rPr lang="en" altLang="ko-Kore-KR" dirty="0">
+                <a:solidFill>
+                  <a:srgbClr val="A31515"/>
+                </a:solidFill>
+                <a:latin typeface="DM Mono" panose="020B0509040201040103" pitchFamily="49" charset="0"/>
+              </a:rPr>
+              <a:t>"</a:t>
+            </a:r>
+            <a:r>
+              <a:rPr lang="en" altLang="ko-Kore-KR" dirty="0" err="1">
+                <a:solidFill>
+                  <a:srgbClr val="A31515"/>
+                </a:solidFill>
+                <a:latin typeface="DM Mono" panose="020B0509040201040103" pitchFamily="49" charset="0"/>
+              </a:rPr>
+              <a:t>buf</a:t>
+            </a:r>
+            <a:r>
+              <a:rPr lang="en" altLang="ko-Kore-KR" dirty="0">
+                <a:solidFill>
+                  <a:srgbClr val="A31515"/>
+                </a:solidFill>
+                <a:latin typeface="DM Mono" panose="020B0509040201040103" pitchFamily="49" charset="0"/>
+              </a:rPr>
+              <a:t>: </a:t>
+            </a:r>
+            <a:r>
+              <a:rPr lang="en" altLang="ko-Kore-KR" dirty="0">
+                <a:solidFill>
+                  <a:srgbClr val="001080"/>
+                </a:solidFill>
+                <a:latin typeface="DM Mono" panose="020B0509040201040103" pitchFamily="49" charset="0"/>
+              </a:rPr>
+              <a:t>%s</a:t>
+            </a:r>
+            <a:r>
+              <a:rPr lang="en" altLang="ko-Kore-KR" dirty="0">
+                <a:solidFill>
+                  <a:srgbClr val="EE0000"/>
+                </a:solidFill>
+                <a:latin typeface="DM Mono" panose="020B0509040201040103" pitchFamily="49" charset="0"/>
+              </a:rPr>
+              <a:t>\n</a:t>
+            </a:r>
+            <a:r>
+              <a:rPr lang="en" altLang="ko-Kore-KR" dirty="0">
+                <a:solidFill>
+                  <a:srgbClr val="A31515"/>
+                </a:solidFill>
+                <a:latin typeface="DM Mono" panose="020B0509040201040103" pitchFamily="49" charset="0"/>
+              </a:rPr>
+              <a:t>"</a:t>
+            </a:r>
+            <a:r>
+              <a:rPr lang="en" altLang="ko-Kore-KR" dirty="0">
+                <a:solidFill>
+                  <a:srgbClr val="000000"/>
+                </a:solidFill>
+                <a:latin typeface="DM Mono" panose="020B0509040201040103" pitchFamily="49" charset="0"/>
+              </a:rPr>
+              <a:t>, </a:t>
+            </a:r>
+            <a:r>
+              <a:rPr lang="en" altLang="ko-Kore-KR" dirty="0" err="1">
+                <a:solidFill>
+                  <a:srgbClr val="001080"/>
+                </a:solidFill>
+                <a:latin typeface="DM Mono" panose="020B0509040201040103" pitchFamily="49" charset="0"/>
+              </a:rPr>
+              <a:t>buf</a:t>
+            </a:r>
+            <a:r>
+              <a:rPr lang="en" altLang="ko-Kore-KR" dirty="0">
+                <a:solidFill>
+                  <a:srgbClr val="000000"/>
+                </a:solidFill>
+                <a:latin typeface="DM Mono" panose="020B0509040201040103" pitchFamily="49" charset="0"/>
+              </a:rPr>
+              <a:t>);</a:t>
+            </a:r>
+          </a:p>
+          <a:p>
+            <a:br>
+              <a:rPr lang="en" altLang="ko-Kore-KR" dirty="0">
+                <a:solidFill>
+                  <a:srgbClr val="000000"/>
+                </a:solidFill>
+                <a:latin typeface="DM Mono" panose="020B0509040201040103" pitchFamily="49" charset="0"/>
+              </a:rPr>
+            </a:br>
+            <a:r>
+              <a:rPr lang="en" altLang="ko-Kore-KR" dirty="0" err="1">
+                <a:solidFill>
+                  <a:srgbClr val="795E26"/>
+                </a:solidFill>
+                <a:latin typeface="DM Mono" panose="020B0509040201040103" pitchFamily="49" charset="0"/>
+              </a:rPr>
+              <a:t>fclose</a:t>
+            </a:r>
+            <a:r>
+              <a:rPr lang="en" altLang="ko-Kore-KR" dirty="0">
+                <a:solidFill>
+                  <a:srgbClr val="000000"/>
+                </a:solidFill>
+                <a:latin typeface="DM Mono" panose="020B0509040201040103" pitchFamily="49" charset="0"/>
+              </a:rPr>
+              <a:t>(</a:t>
+            </a:r>
+            <a:r>
+              <a:rPr lang="en" altLang="ko-Kore-KR" dirty="0" err="1">
+                <a:solidFill>
+                  <a:srgbClr val="001080"/>
+                </a:solidFill>
+                <a:latin typeface="DM Mono" panose="020B0509040201040103" pitchFamily="49" charset="0"/>
+              </a:rPr>
+              <a:t>fp</a:t>
+            </a:r>
+            <a:r>
+              <a:rPr lang="en" altLang="ko-Kore-KR" dirty="0">
+                <a:solidFill>
+                  <a:srgbClr val="000000"/>
+                </a:solidFill>
+                <a:latin typeface="DM Mono" panose="020B0509040201040103" pitchFamily="49" charset="0"/>
+              </a:rPr>
+              <a:t>);</a:t>
+            </a:r>
+          </a:p>
+        </p:txBody>
+      </p:sp>
+      <p:sp>
+        <p:nvSpPr>
+          <p:cNvPr id="57" name="직사각형 56">
+            <a:extLst>
+              <a:ext uri="{FF2B5EF4-FFF2-40B4-BE49-F238E27FC236}">
+                <a16:creationId xmlns:a16="http://schemas.microsoft.com/office/drawing/2014/main" id="{F149CA64-80DD-1E91-5DEE-65F8773072C1}"/>
+              </a:ext>
+            </a:extLst>
+          </p:cNvPr>
+          <p:cNvSpPr/>
+          <p:nvPr/>
+        </p:nvSpPr>
+        <p:spPr>
+          <a:xfrm>
+            <a:off x="2411970" y="4938291"/>
+            <a:ext cx="401225" cy="518917"/>
+          </a:xfrm>
+          <a:prstGeom prst="rect">
+            <a:avLst/>
+          </a:prstGeom>
+          <a:solidFill>
+            <a:srgbClr val="FFFF00"/>
+          </a:solidFill>
+        </p:spPr>
+        <p:style>
+          <a:lnRef idx="2">
+            <a:schemeClr val="accent1">
+              <a:shade val="50000"/>
+            </a:schemeClr>
+          </a:lnRef>
+          <a:fillRef idx="1">
+            <a:schemeClr val="accent1"/>
+          </a:fillRef>
+          <a:effectRef idx="0">
+            <a:schemeClr val="accent1"/>
+          </a:effectRef>
+          <a:fontRef idx="minor">
+            <a:schemeClr val="lt1"/>
+          </a:fontRef>
+        </p:style>
+        <p:txBody>
+          <a:bodyPr rtlCol="0" anchor="ctr"/>
+          <a:lstStyle/>
+          <a:p>
+            <a:pPr algn="ctr"/>
+            <a:r>
+              <a:rPr kumimoji="1" lang="en-US" altLang="ko-Kore-KR" sz="1400" dirty="0">
+                <a:solidFill>
+                  <a:schemeClr val="tx1"/>
+                </a:solidFill>
+              </a:rPr>
+              <a:t>h</a:t>
+            </a:r>
+            <a:endParaRPr kumimoji="1" lang="ko-Kore-KR" altLang="en-US" sz="1400" dirty="0">
+              <a:solidFill>
+                <a:schemeClr val="tx1"/>
+              </a:solidFill>
+            </a:endParaRPr>
+          </a:p>
+        </p:txBody>
+      </p:sp>
+      <p:sp>
+        <p:nvSpPr>
+          <p:cNvPr id="15" name="직사각형 14">
+            <a:extLst>
+              <a:ext uri="{FF2B5EF4-FFF2-40B4-BE49-F238E27FC236}">
+                <a16:creationId xmlns:a16="http://schemas.microsoft.com/office/drawing/2014/main" id="{C9DB4550-1D60-D748-7770-AF53534A2FDA}"/>
+              </a:ext>
+            </a:extLst>
+          </p:cNvPr>
+          <p:cNvSpPr/>
+          <p:nvPr/>
+        </p:nvSpPr>
+        <p:spPr>
+          <a:xfrm>
+            <a:off x="2813195" y="4938291"/>
+            <a:ext cx="401225" cy="518917"/>
+          </a:xfrm>
+          <a:prstGeom prst="rect">
+            <a:avLst/>
+          </a:prstGeom>
+          <a:solidFill>
+            <a:srgbClr val="FFFF00"/>
+          </a:solidFill>
+        </p:spPr>
+        <p:style>
+          <a:lnRef idx="2">
+            <a:schemeClr val="accent1">
+              <a:shade val="50000"/>
+            </a:schemeClr>
+          </a:lnRef>
+          <a:fillRef idx="1">
+            <a:schemeClr val="accent1"/>
+          </a:fillRef>
+          <a:effectRef idx="0">
+            <a:schemeClr val="accent1"/>
+          </a:effectRef>
+          <a:fontRef idx="minor">
+            <a:schemeClr val="lt1"/>
+          </a:fontRef>
+        </p:style>
+        <p:txBody>
+          <a:bodyPr rtlCol="0" anchor="ctr"/>
+          <a:lstStyle/>
+          <a:p>
+            <a:pPr algn="ctr"/>
+            <a:r>
+              <a:rPr kumimoji="1" lang="en-US" altLang="ko-Kore-KR" sz="1400" dirty="0">
+                <a:solidFill>
+                  <a:schemeClr val="tx1"/>
+                </a:solidFill>
+              </a:rPr>
+              <a:t>e</a:t>
+            </a:r>
+            <a:endParaRPr kumimoji="1" lang="ko-Kore-KR" altLang="en-US" sz="1400" dirty="0">
+              <a:solidFill>
+                <a:schemeClr val="tx1"/>
+              </a:solidFill>
+            </a:endParaRPr>
+          </a:p>
+        </p:txBody>
+      </p:sp>
+      <p:sp>
+        <p:nvSpPr>
+          <p:cNvPr id="16" name="직사각형 15">
+            <a:extLst>
+              <a:ext uri="{FF2B5EF4-FFF2-40B4-BE49-F238E27FC236}">
+                <a16:creationId xmlns:a16="http://schemas.microsoft.com/office/drawing/2014/main" id="{810E6B0C-8852-1D3D-3246-94F126E68417}"/>
+              </a:ext>
+            </a:extLst>
+          </p:cNvPr>
+          <p:cNvSpPr/>
+          <p:nvPr/>
+        </p:nvSpPr>
+        <p:spPr>
+          <a:xfrm>
+            <a:off x="3214420" y="4938291"/>
+            <a:ext cx="401225" cy="518917"/>
+          </a:xfrm>
+          <a:prstGeom prst="rect">
+            <a:avLst/>
+          </a:prstGeom>
+          <a:solidFill>
+            <a:srgbClr val="FFFF00"/>
+          </a:solidFill>
+        </p:spPr>
+        <p:style>
+          <a:lnRef idx="2">
+            <a:schemeClr val="accent1">
+              <a:shade val="50000"/>
+            </a:schemeClr>
+          </a:lnRef>
+          <a:fillRef idx="1">
+            <a:schemeClr val="accent1"/>
+          </a:fillRef>
+          <a:effectRef idx="0">
+            <a:schemeClr val="accent1"/>
+          </a:effectRef>
+          <a:fontRef idx="minor">
+            <a:schemeClr val="lt1"/>
+          </a:fontRef>
+        </p:style>
+        <p:txBody>
+          <a:bodyPr rtlCol="0" anchor="ctr"/>
+          <a:lstStyle/>
+          <a:p>
+            <a:pPr algn="ctr"/>
+            <a:r>
+              <a:rPr kumimoji="1" lang="en-US" altLang="ko-Kore-KR" sz="1400" dirty="0">
+                <a:solidFill>
+                  <a:schemeClr val="tx1"/>
+                </a:solidFill>
+              </a:rPr>
+              <a:t>l</a:t>
+            </a:r>
+            <a:endParaRPr kumimoji="1" lang="ko-Kore-KR" altLang="en-US" sz="1400" dirty="0">
+              <a:solidFill>
+                <a:schemeClr val="tx1"/>
+              </a:solidFill>
+            </a:endParaRPr>
+          </a:p>
+        </p:txBody>
+      </p:sp>
+      <p:sp>
+        <p:nvSpPr>
+          <p:cNvPr id="17" name="직사각형 16">
+            <a:extLst>
+              <a:ext uri="{FF2B5EF4-FFF2-40B4-BE49-F238E27FC236}">
+                <a16:creationId xmlns:a16="http://schemas.microsoft.com/office/drawing/2014/main" id="{532DB0AE-943B-CC0E-A5AE-27C7A2739237}"/>
+              </a:ext>
+            </a:extLst>
+          </p:cNvPr>
+          <p:cNvSpPr/>
+          <p:nvPr/>
+        </p:nvSpPr>
+        <p:spPr>
+          <a:xfrm>
+            <a:off x="3615645" y="4938291"/>
+            <a:ext cx="401225" cy="518917"/>
+          </a:xfrm>
+          <a:prstGeom prst="rect">
+            <a:avLst/>
+          </a:prstGeom>
+          <a:solidFill>
+            <a:srgbClr val="FFFF00"/>
+          </a:solidFill>
+        </p:spPr>
+        <p:style>
+          <a:lnRef idx="2">
+            <a:schemeClr val="accent1">
+              <a:shade val="50000"/>
+            </a:schemeClr>
+          </a:lnRef>
+          <a:fillRef idx="1">
+            <a:schemeClr val="accent1"/>
+          </a:fillRef>
+          <a:effectRef idx="0">
+            <a:schemeClr val="accent1"/>
+          </a:effectRef>
+          <a:fontRef idx="minor">
+            <a:schemeClr val="lt1"/>
+          </a:fontRef>
+        </p:style>
+        <p:txBody>
+          <a:bodyPr rtlCol="0" anchor="ctr"/>
+          <a:lstStyle/>
+          <a:p>
+            <a:pPr algn="ctr"/>
+            <a:r>
+              <a:rPr kumimoji="1" lang="en-US" altLang="ko-Kore-KR" sz="1400" dirty="0">
+                <a:solidFill>
+                  <a:schemeClr val="tx1"/>
+                </a:solidFill>
+              </a:rPr>
+              <a:t>l</a:t>
+            </a:r>
+            <a:endParaRPr kumimoji="1" lang="ko-Kore-KR" altLang="en-US" sz="1400" dirty="0">
+              <a:solidFill>
+                <a:schemeClr val="tx1"/>
+              </a:solidFill>
+            </a:endParaRPr>
+          </a:p>
+        </p:txBody>
+      </p:sp>
+      <p:sp>
+        <p:nvSpPr>
+          <p:cNvPr id="18" name="직사각형 17">
+            <a:extLst>
+              <a:ext uri="{FF2B5EF4-FFF2-40B4-BE49-F238E27FC236}">
+                <a16:creationId xmlns:a16="http://schemas.microsoft.com/office/drawing/2014/main" id="{688189EB-F061-C45C-3509-0DEB399A5057}"/>
+              </a:ext>
+            </a:extLst>
+          </p:cNvPr>
+          <p:cNvSpPr/>
+          <p:nvPr/>
+        </p:nvSpPr>
+        <p:spPr>
+          <a:xfrm>
+            <a:off x="4016870" y="4938291"/>
+            <a:ext cx="401225" cy="518917"/>
+          </a:xfrm>
+          <a:prstGeom prst="rect">
+            <a:avLst/>
+          </a:prstGeom>
+          <a:solidFill>
+            <a:srgbClr val="FFFF00"/>
+          </a:solidFill>
+        </p:spPr>
+        <p:style>
+          <a:lnRef idx="2">
+            <a:schemeClr val="accent1">
+              <a:shade val="50000"/>
+            </a:schemeClr>
+          </a:lnRef>
+          <a:fillRef idx="1">
+            <a:schemeClr val="accent1"/>
+          </a:fillRef>
+          <a:effectRef idx="0">
+            <a:schemeClr val="accent1"/>
+          </a:effectRef>
+          <a:fontRef idx="minor">
+            <a:schemeClr val="lt1"/>
+          </a:fontRef>
+        </p:style>
+        <p:txBody>
+          <a:bodyPr rtlCol="0" anchor="ctr"/>
+          <a:lstStyle/>
+          <a:p>
+            <a:pPr algn="ctr"/>
+            <a:r>
+              <a:rPr kumimoji="1" lang="en-US" altLang="ko-Kore-KR" sz="1400" dirty="0">
+                <a:solidFill>
+                  <a:schemeClr val="tx1"/>
+                </a:solidFill>
+              </a:rPr>
+              <a:t>o</a:t>
+            </a:r>
+            <a:endParaRPr kumimoji="1" lang="ko-Kore-KR" altLang="en-US" sz="1400" dirty="0">
+              <a:solidFill>
+                <a:schemeClr val="tx1"/>
+              </a:solidFill>
+            </a:endParaRPr>
+          </a:p>
+        </p:txBody>
+      </p:sp>
+      <p:sp>
+        <p:nvSpPr>
+          <p:cNvPr id="19" name="직사각형 18">
+            <a:extLst>
+              <a:ext uri="{FF2B5EF4-FFF2-40B4-BE49-F238E27FC236}">
+                <a16:creationId xmlns:a16="http://schemas.microsoft.com/office/drawing/2014/main" id="{97C4F89D-12AD-EFA1-5AC8-A8069A1D9F9A}"/>
+              </a:ext>
+            </a:extLst>
+          </p:cNvPr>
+          <p:cNvSpPr/>
+          <p:nvPr/>
+        </p:nvSpPr>
+        <p:spPr>
+          <a:xfrm>
+            <a:off x="4418095" y="4938291"/>
+            <a:ext cx="401225" cy="518917"/>
+          </a:xfrm>
+          <a:prstGeom prst="rect">
+            <a:avLst/>
+          </a:prstGeom>
+          <a:solidFill>
+            <a:srgbClr val="FFFF00"/>
+          </a:solidFill>
+        </p:spPr>
+        <p:style>
+          <a:lnRef idx="2">
+            <a:schemeClr val="accent1">
+              <a:shade val="50000"/>
+            </a:schemeClr>
+          </a:lnRef>
+          <a:fillRef idx="1">
+            <a:schemeClr val="accent1"/>
+          </a:fillRef>
+          <a:effectRef idx="0">
+            <a:schemeClr val="accent1"/>
+          </a:effectRef>
+          <a:fontRef idx="minor">
+            <a:schemeClr val="lt1"/>
+          </a:fontRef>
+        </p:style>
+        <p:txBody>
+          <a:bodyPr rtlCol="0" anchor="ctr"/>
+          <a:lstStyle/>
+          <a:p>
+            <a:pPr algn="ctr"/>
+            <a:r>
+              <a:rPr kumimoji="1" lang="en-US" altLang="ko-Kore-KR" sz="1400" dirty="0">
+                <a:solidFill>
+                  <a:schemeClr val="tx1"/>
+                </a:solidFill>
+              </a:rPr>
+              <a:t>\n</a:t>
+            </a:r>
+            <a:endParaRPr kumimoji="1" lang="ko-Kore-KR" altLang="en-US" sz="1400" dirty="0">
+              <a:solidFill>
+                <a:schemeClr val="tx1"/>
+              </a:solidFill>
+            </a:endParaRPr>
+          </a:p>
+        </p:txBody>
+      </p:sp>
+      <p:sp>
+        <p:nvSpPr>
+          <p:cNvPr id="20" name="직사각형 19">
+            <a:extLst>
+              <a:ext uri="{FF2B5EF4-FFF2-40B4-BE49-F238E27FC236}">
+                <a16:creationId xmlns:a16="http://schemas.microsoft.com/office/drawing/2014/main" id="{FC293960-58D2-6C9A-0D0D-E240D2397DA1}"/>
+              </a:ext>
+            </a:extLst>
+          </p:cNvPr>
+          <p:cNvSpPr/>
+          <p:nvPr/>
+        </p:nvSpPr>
+        <p:spPr>
+          <a:xfrm>
+            <a:off x="4819320" y="4938291"/>
+            <a:ext cx="401225" cy="518917"/>
+          </a:xfrm>
+          <a:prstGeom prst="rect">
+            <a:avLst/>
+          </a:prstGeom>
+          <a:solidFill>
+            <a:srgbClr val="FFFF00"/>
+          </a:solidFill>
+        </p:spPr>
+        <p:style>
+          <a:lnRef idx="2">
+            <a:schemeClr val="accent1">
+              <a:shade val="50000"/>
+            </a:schemeClr>
+          </a:lnRef>
+          <a:fillRef idx="1">
+            <a:schemeClr val="accent1"/>
+          </a:fillRef>
+          <a:effectRef idx="0">
+            <a:schemeClr val="accent1"/>
+          </a:effectRef>
+          <a:fontRef idx="minor">
+            <a:schemeClr val="lt1"/>
+          </a:fontRef>
+        </p:style>
+        <p:txBody>
+          <a:bodyPr rtlCol="0" anchor="ctr"/>
+          <a:lstStyle/>
+          <a:p>
+            <a:pPr algn="ctr"/>
+            <a:endParaRPr kumimoji="1" lang="ko-Kore-KR" altLang="en-US" sz="1400" dirty="0">
+              <a:solidFill>
+                <a:schemeClr val="tx1"/>
+              </a:solidFill>
+            </a:endParaRPr>
+          </a:p>
+        </p:txBody>
+      </p:sp>
+      <p:sp>
+        <p:nvSpPr>
+          <p:cNvPr id="21" name="직사각형 20">
+            <a:extLst>
+              <a:ext uri="{FF2B5EF4-FFF2-40B4-BE49-F238E27FC236}">
+                <a16:creationId xmlns:a16="http://schemas.microsoft.com/office/drawing/2014/main" id="{A517E5CE-FA45-D672-84EC-24EE16970374}"/>
+              </a:ext>
+            </a:extLst>
+          </p:cNvPr>
+          <p:cNvSpPr/>
+          <p:nvPr/>
+        </p:nvSpPr>
+        <p:spPr>
+          <a:xfrm>
+            <a:off x="5220545" y="4938291"/>
+            <a:ext cx="401225" cy="518917"/>
+          </a:xfrm>
+          <a:prstGeom prst="rect">
+            <a:avLst/>
+          </a:prstGeom>
+          <a:solidFill>
+            <a:srgbClr val="FFFF00"/>
+          </a:solidFill>
+        </p:spPr>
+        <p:style>
+          <a:lnRef idx="2">
+            <a:schemeClr val="accent1">
+              <a:shade val="50000"/>
+            </a:schemeClr>
+          </a:lnRef>
+          <a:fillRef idx="1">
+            <a:schemeClr val="accent1"/>
+          </a:fillRef>
+          <a:effectRef idx="0">
+            <a:schemeClr val="accent1"/>
+          </a:effectRef>
+          <a:fontRef idx="minor">
+            <a:schemeClr val="lt1"/>
+          </a:fontRef>
+        </p:style>
+        <p:txBody>
+          <a:bodyPr rtlCol="0" anchor="ctr"/>
+          <a:lstStyle/>
+          <a:p>
+            <a:pPr algn="ctr"/>
+            <a:endParaRPr kumimoji="1" lang="ko-Kore-KR" altLang="en-US" sz="1400" dirty="0">
+              <a:solidFill>
+                <a:schemeClr val="tx1"/>
+              </a:solidFill>
+            </a:endParaRPr>
+          </a:p>
+        </p:txBody>
+      </p:sp>
+      <p:sp>
+        <p:nvSpPr>
+          <p:cNvPr id="22" name="직사각형 21">
+            <a:extLst>
+              <a:ext uri="{FF2B5EF4-FFF2-40B4-BE49-F238E27FC236}">
+                <a16:creationId xmlns:a16="http://schemas.microsoft.com/office/drawing/2014/main" id="{EA419065-CE16-4CCE-5730-B766DA8E85DA}"/>
+              </a:ext>
+            </a:extLst>
+          </p:cNvPr>
+          <p:cNvSpPr/>
+          <p:nvPr/>
+        </p:nvSpPr>
+        <p:spPr>
+          <a:xfrm>
+            <a:off x="5621770" y="4938291"/>
+            <a:ext cx="401225" cy="518917"/>
+          </a:xfrm>
+          <a:prstGeom prst="rect">
+            <a:avLst/>
+          </a:prstGeom>
+          <a:solidFill>
+            <a:srgbClr val="FFFF00"/>
+          </a:solidFill>
+        </p:spPr>
+        <p:style>
+          <a:lnRef idx="2">
+            <a:schemeClr val="accent1">
+              <a:shade val="50000"/>
+            </a:schemeClr>
+          </a:lnRef>
+          <a:fillRef idx="1">
+            <a:schemeClr val="accent1"/>
+          </a:fillRef>
+          <a:effectRef idx="0">
+            <a:schemeClr val="accent1"/>
+          </a:effectRef>
+          <a:fontRef idx="minor">
+            <a:schemeClr val="lt1"/>
+          </a:fontRef>
+        </p:style>
+        <p:txBody>
+          <a:bodyPr rtlCol="0" anchor="ctr"/>
+          <a:lstStyle/>
+          <a:p>
+            <a:pPr algn="ctr"/>
+            <a:endParaRPr kumimoji="1" lang="ko-Kore-KR" altLang="en-US" sz="1400" dirty="0">
+              <a:solidFill>
+                <a:schemeClr val="tx1"/>
+              </a:solidFill>
+            </a:endParaRPr>
+          </a:p>
+        </p:txBody>
+      </p:sp>
+      <p:sp>
+        <p:nvSpPr>
+          <p:cNvPr id="23" name="직사각형 22">
+            <a:extLst>
+              <a:ext uri="{FF2B5EF4-FFF2-40B4-BE49-F238E27FC236}">
+                <a16:creationId xmlns:a16="http://schemas.microsoft.com/office/drawing/2014/main" id="{8F8AFEB1-CC00-67F7-990E-1F22E1046A13}"/>
+              </a:ext>
+            </a:extLst>
+          </p:cNvPr>
+          <p:cNvSpPr/>
+          <p:nvPr/>
+        </p:nvSpPr>
+        <p:spPr>
+          <a:xfrm>
+            <a:off x="6022995" y="4938291"/>
+            <a:ext cx="401225" cy="518917"/>
+          </a:xfrm>
+          <a:prstGeom prst="rect">
+            <a:avLst/>
+          </a:prstGeom>
+          <a:solidFill>
+            <a:srgbClr val="FFFF00"/>
+          </a:solidFill>
+        </p:spPr>
+        <p:style>
+          <a:lnRef idx="2">
+            <a:schemeClr val="accent1">
+              <a:shade val="50000"/>
+            </a:schemeClr>
+          </a:lnRef>
+          <a:fillRef idx="1">
+            <a:schemeClr val="accent1"/>
+          </a:fillRef>
+          <a:effectRef idx="0">
+            <a:schemeClr val="accent1"/>
+          </a:effectRef>
+          <a:fontRef idx="minor">
+            <a:schemeClr val="lt1"/>
+          </a:fontRef>
+        </p:style>
+        <p:txBody>
+          <a:bodyPr rtlCol="0" anchor="ctr"/>
+          <a:lstStyle/>
+          <a:p>
+            <a:pPr algn="ctr"/>
+            <a:endParaRPr kumimoji="1" lang="ko-Kore-KR" altLang="en-US" sz="1400" dirty="0">
+              <a:solidFill>
+                <a:schemeClr val="tx1"/>
+              </a:solidFill>
+            </a:endParaRPr>
+          </a:p>
+        </p:txBody>
+      </p:sp>
+      <p:sp>
+        <p:nvSpPr>
+          <p:cNvPr id="24" name="직사각형 23">
+            <a:extLst>
+              <a:ext uri="{FF2B5EF4-FFF2-40B4-BE49-F238E27FC236}">
+                <a16:creationId xmlns:a16="http://schemas.microsoft.com/office/drawing/2014/main" id="{95C3263B-8E5A-2C88-746A-9830F1479EB6}"/>
+              </a:ext>
+            </a:extLst>
+          </p:cNvPr>
+          <p:cNvSpPr/>
+          <p:nvPr/>
+        </p:nvSpPr>
+        <p:spPr>
+          <a:xfrm>
+            <a:off x="6424220" y="4938291"/>
+            <a:ext cx="401225" cy="518917"/>
+          </a:xfrm>
+          <a:prstGeom prst="rect">
+            <a:avLst/>
+          </a:prstGeom>
+          <a:solidFill>
+            <a:srgbClr val="FFFF00"/>
+          </a:solidFill>
+        </p:spPr>
+        <p:style>
+          <a:lnRef idx="2">
+            <a:schemeClr val="accent1">
+              <a:shade val="50000"/>
+            </a:schemeClr>
+          </a:lnRef>
+          <a:fillRef idx="1">
+            <a:schemeClr val="accent1"/>
+          </a:fillRef>
+          <a:effectRef idx="0">
+            <a:schemeClr val="accent1"/>
+          </a:effectRef>
+          <a:fontRef idx="minor">
+            <a:schemeClr val="lt1"/>
+          </a:fontRef>
+        </p:style>
+        <p:txBody>
+          <a:bodyPr rtlCol="0" anchor="ctr"/>
+          <a:lstStyle/>
+          <a:p>
+            <a:pPr algn="ctr"/>
+            <a:endParaRPr kumimoji="1" lang="ko-Kore-KR" altLang="en-US" sz="1400" dirty="0">
+              <a:solidFill>
+                <a:schemeClr val="tx1"/>
+              </a:solidFill>
+            </a:endParaRPr>
+          </a:p>
+        </p:txBody>
+      </p:sp>
+      <p:sp>
+        <p:nvSpPr>
+          <p:cNvPr id="25" name="직사각형 24">
+            <a:extLst>
+              <a:ext uri="{FF2B5EF4-FFF2-40B4-BE49-F238E27FC236}">
+                <a16:creationId xmlns:a16="http://schemas.microsoft.com/office/drawing/2014/main" id="{69E73834-A069-78AA-0DA4-DEFF834E524D}"/>
+              </a:ext>
+            </a:extLst>
+          </p:cNvPr>
+          <p:cNvSpPr/>
+          <p:nvPr/>
+        </p:nvSpPr>
+        <p:spPr>
+          <a:xfrm>
+            <a:off x="6825445" y="4938291"/>
+            <a:ext cx="401225" cy="518917"/>
+          </a:xfrm>
+          <a:prstGeom prst="rect">
+            <a:avLst/>
+          </a:prstGeom>
+          <a:solidFill>
+            <a:srgbClr val="FFFF00"/>
+          </a:solidFill>
+        </p:spPr>
+        <p:style>
+          <a:lnRef idx="2">
+            <a:schemeClr val="accent1">
+              <a:shade val="50000"/>
+            </a:schemeClr>
+          </a:lnRef>
+          <a:fillRef idx="1">
+            <a:schemeClr val="accent1"/>
+          </a:fillRef>
+          <a:effectRef idx="0">
+            <a:schemeClr val="accent1"/>
+          </a:effectRef>
+          <a:fontRef idx="minor">
+            <a:schemeClr val="lt1"/>
+          </a:fontRef>
+        </p:style>
+        <p:txBody>
+          <a:bodyPr rtlCol="0" anchor="ctr"/>
+          <a:lstStyle/>
+          <a:p>
+            <a:pPr algn="ctr"/>
+            <a:endParaRPr kumimoji="1" lang="ko-Kore-KR" altLang="en-US" sz="1400" dirty="0">
+              <a:solidFill>
+                <a:schemeClr val="tx1"/>
+              </a:solidFill>
+            </a:endParaRPr>
+          </a:p>
+        </p:txBody>
+      </p:sp>
+      <p:sp>
+        <p:nvSpPr>
+          <p:cNvPr id="26" name="직사각형 25">
+            <a:extLst>
+              <a:ext uri="{FF2B5EF4-FFF2-40B4-BE49-F238E27FC236}">
+                <a16:creationId xmlns:a16="http://schemas.microsoft.com/office/drawing/2014/main" id="{D064F1B1-BC40-2209-8F38-7B05A32B6C5E}"/>
+              </a:ext>
+            </a:extLst>
+          </p:cNvPr>
+          <p:cNvSpPr/>
+          <p:nvPr/>
+        </p:nvSpPr>
+        <p:spPr>
+          <a:xfrm>
+            <a:off x="7226670" y="4938291"/>
+            <a:ext cx="401225" cy="518917"/>
+          </a:xfrm>
+          <a:prstGeom prst="rect">
+            <a:avLst/>
+          </a:prstGeom>
+          <a:solidFill>
+            <a:srgbClr val="FFFF00"/>
+          </a:solidFill>
+        </p:spPr>
+        <p:style>
+          <a:lnRef idx="2">
+            <a:schemeClr val="accent1">
+              <a:shade val="50000"/>
+            </a:schemeClr>
+          </a:lnRef>
+          <a:fillRef idx="1">
+            <a:schemeClr val="accent1"/>
+          </a:fillRef>
+          <a:effectRef idx="0">
+            <a:schemeClr val="accent1"/>
+          </a:effectRef>
+          <a:fontRef idx="minor">
+            <a:schemeClr val="lt1"/>
+          </a:fontRef>
+        </p:style>
+        <p:txBody>
+          <a:bodyPr rtlCol="0" anchor="ctr"/>
+          <a:lstStyle/>
+          <a:p>
+            <a:pPr algn="ctr"/>
+            <a:endParaRPr kumimoji="1" lang="ko-Kore-KR" altLang="en-US" sz="1400" dirty="0">
+              <a:solidFill>
+                <a:schemeClr val="tx1"/>
+              </a:solidFill>
+            </a:endParaRPr>
+          </a:p>
+        </p:txBody>
+      </p:sp>
+      <p:sp>
+        <p:nvSpPr>
+          <p:cNvPr id="27" name="직사각형 26">
+            <a:extLst>
+              <a:ext uri="{FF2B5EF4-FFF2-40B4-BE49-F238E27FC236}">
+                <a16:creationId xmlns:a16="http://schemas.microsoft.com/office/drawing/2014/main" id="{D57ACCFC-C62E-ACE7-8E87-1AE67C89D005}"/>
+              </a:ext>
+            </a:extLst>
+          </p:cNvPr>
+          <p:cNvSpPr/>
+          <p:nvPr/>
+        </p:nvSpPr>
+        <p:spPr>
+          <a:xfrm>
+            <a:off x="7627895" y="4938291"/>
+            <a:ext cx="401225" cy="518917"/>
+          </a:xfrm>
+          <a:prstGeom prst="rect">
+            <a:avLst/>
+          </a:prstGeom>
+          <a:solidFill>
+            <a:srgbClr val="FFFF00"/>
+          </a:solidFill>
+        </p:spPr>
+        <p:style>
+          <a:lnRef idx="2">
+            <a:schemeClr val="accent1">
+              <a:shade val="50000"/>
+            </a:schemeClr>
+          </a:lnRef>
+          <a:fillRef idx="1">
+            <a:schemeClr val="accent1"/>
+          </a:fillRef>
+          <a:effectRef idx="0">
+            <a:schemeClr val="accent1"/>
+          </a:effectRef>
+          <a:fontRef idx="minor">
+            <a:schemeClr val="lt1"/>
+          </a:fontRef>
+        </p:style>
+        <p:txBody>
+          <a:bodyPr rtlCol="0" anchor="ctr"/>
+          <a:lstStyle/>
+          <a:p>
+            <a:pPr algn="ctr"/>
+            <a:endParaRPr kumimoji="1" lang="ko-Kore-KR" altLang="en-US" sz="1400" dirty="0">
+              <a:solidFill>
+                <a:schemeClr val="tx1"/>
+              </a:solidFill>
+            </a:endParaRPr>
+          </a:p>
+        </p:txBody>
+      </p:sp>
+      <p:sp>
+        <p:nvSpPr>
+          <p:cNvPr id="28" name="직사각형 27">
+            <a:extLst>
+              <a:ext uri="{FF2B5EF4-FFF2-40B4-BE49-F238E27FC236}">
+                <a16:creationId xmlns:a16="http://schemas.microsoft.com/office/drawing/2014/main" id="{E7D73FA2-2ABF-7D50-65C0-6B91DB45A66F}"/>
+              </a:ext>
+            </a:extLst>
+          </p:cNvPr>
+          <p:cNvSpPr/>
+          <p:nvPr/>
+        </p:nvSpPr>
+        <p:spPr>
+          <a:xfrm>
+            <a:off x="8029120" y="4938291"/>
+            <a:ext cx="401225" cy="518917"/>
+          </a:xfrm>
+          <a:prstGeom prst="rect">
+            <a:avLst/>
+          </a:prstGeom>
+          <a:solidFill>
+            <a:srgbClr val="FFFF00"/>
+          </a:solidFill>
+        </p:spPr>
+        <p:style>
+          <a:lnRef idx="2">
+            <a:schemeClr val="accent1">
+              <a:shade val="50000"/>
+            </a:schemeClr>
+          </a:lnRef>
+          <a:fillRef idx="1">
+            <a:schemeClr val="accent1"/>
+          </a:fillRef>
+          <a:effectRef idx="0">
+            <a:schemeClr val="accent1"/>
+          </a:effectRef>
+          <a:fontRef idx="minor">
+            <a:schemeClr val="lt1"/>
+          </a:fontRef>
+        </p:style>
+        <p:txBody>
+          <a:bodyPr rtlCol="0" anchor="ctr"/>
+          <a:lstStyle/>
+          <a:p>
+            <a:pPr algn="ctr"/>
+            <a:endParaRPr kumimoji="1" lang="ko-Kore-KR" altLang="en-US" sz="1400" dirty="0">
+              <a:solidFill>
+                <a:schemeClr val="tx1"/>
+              </a:solidFill>
+            </a:endParaRPr>
+          </a:p>
+        </p:txBody>
+      </p:sp>
+      <p:sp>
+        <p:nvSpPr>
+          <p:cNvPr id="29" name="직사각형 28">
+            <a:extLst>
+              <a:ext uri="{FF2B5EF4-FFF2-40B4-BE49-F238E27FC236}">
+                <a16:creationId xmlns:a16="http://schemas.microsoft.com/office/drawing/2014/main" id="{528FC59F-2DE9-DCE0-3414-416C705A9799}"/>
+              </a:ext>
+            </a:extLst>
+          </p:cNvPr>
+          <p:cNvSpPr/>
+          <p:nvPr/>
+        </p:nvSpPr>
+        <p:spPr>
+          <a:xfrm>
+            <a:off x="8430345" y="4938291"/>
+            <a:ext cx="401225" cy="518917"/>
+          </a:xfrm>
+          <a:prstGeom prst="rect">
+            <a:avLst/>
+          </a:prstGeom>
+          <a:solidFill>
+            <a:srgbClr val="FFFF00"/>
+          </a:solidFill>
+        </p:spPr>
+        <p:style>
+          <a:lnRef idx="2">
+            <a:schemeClr val="accent1">
+              <a:shade val="50000"/>
+            </a:schemeClr>
+          </a:lnRef>
+          <a:fillRef idx="1">
+            <a:schemeClr val="accent1"/>
+          </a:fillRef>
+          <a:effectRef idx="0">
+            <a:schemeClr val="accent1"/>
+          </a:effectRef>
+          <a:fontRef idx="minor">
+            <a:schemeClr val="lt1"/>
+          </a:fontRef>
+        </p:style>
+        <p:txBody>
+          <a:bodyPr rtlCol="0" anchor="ctr"/>
+          <a:lstStyle/>
+          <a:p>
+            <a:pPr algn="ctr"/>
+            <a:endParaRPr kumimoji="1" lang="ko-Kore-KR" altLang="en-US" sz="1400" dirty="0">
+              <a:solidFill>
+                <a:schemeClr val="tx1"/>
+              </a:solidFill>
+            </a:endParaRPr>
+          </a:p>
+        </p:txBody>
+      </p:sp>
+      <p:sp>
+        <p:nvSpPr>
+          <p:cNvPr id="30" name="직사각형 29">
+            <a:extLst>
+              <a:ext uri="{FF2B5EF4-FFF2-40B4-BE49-F238E27FC236}">
+                <a16:creationId xmlns:a16="http://schemas.microsoft.com/office/drawing/2014/main" id="{ECDD53E5-324A-9878-3706-6EA5F49E0B05}"/>
+              </a:ext>
+            </a:extLst>
+          </p:cNvPr>
+          <p:cNvSpPr/>
+          <p:nvPr/>
+        </p:nvSpPr>
+        <p:spPr>
+          <a:xfrm>
+            <a:off x="8517370" y="1575810"/>
+            <a:ext cx="401225" cy="518917"/>
+          </a:xfrm>
+          <a:prstGeom prst="rect">
+            <a:avLst/>
+          </a:prstGeom>
+          <a:solidFill>
+            <a:srgbClr val="FFFF00"/>
+          </a:solidFill>
+        </p:spPr>
+        <p:style>
+          <a:lnRef idx="2">
+            <a:schemeClr val="accent1">
+              <a:shade val="50000"/>
+            </a:schemeClr>
+          </a:lnRef>
+          <a:fillRef idx="1">
+            <a:schemeClr val="accent1"/>
+          </a:fillRef>
+          <a:effectRef idx="0">
+            <a:schemeClr val="accent1"/>
+          </a:effectRef>
+          <a:fontRef idx="minor">
+            <a:schemeClr val="lt1"/>
+          </a:fontRef>
+        </p:style>
+        <p:txBody>
+          <a:bodyPr rtlCol="0" anchor="ctr"/>
+          <a:lstStyle/>
+          <a:p>
+            <a:pPr algn="ctr"/>
+            <a:r>
+              <a:rPr kumimoji="1" lang="en-US" altLang="ko-Kore-KR" sz="1400" dirty="0">
+                <a:solidFill>
+                  <a:schemeClr val="tx1"/>
+                </a:solidFill>
+              </a:rPr>
+              <a:t>0</a:t>
+            </a:r>
+            <a:endParaRPr kumimoji="1" lang="ko-Kore-KR" altLang="en-US" sz="1400" dirty="0">
+              <a:solidFill>
+                <a:schemeClr val="tx1"/>
+              </a:solidFill>
+            </a:endParaRPr>
+          </a:p>
+        </p:txBody>
+      </p:sp>
+      <p:sp>
+        <p:nvSpPr>
+          <p:cNvPr id="2" name="직사각형 1">
+            <a:extLst>
+              <a:ext uri="{FF2B5EF4-FFF2-40B4-BE49-F238E27FC236}">
+                <a16:creationId xmlns:a16="http://schemas.microsoft.com/office/drawing/2014/main" id="{F9C56EB4-DC72-AD14-56D7-91E3ED61CE11}"/>
+              </a:ext>
+            </a:extLst>
+          </p:cNvPr>
+          <p:cNvSpPr/>
+          <p:nvPr/>
+        </p:nvSpPr>
+        <p:spPr>
+          <a:xfrm>
+            <a:off x="7769350" y="1575810"/>
+            <a:ext cx="736099" cy="369332"/>
+          </a:xfrm>
+          <a:prstGeom prst="rect">
+            <a:avLst/>
+          </a:prstGeom>
+        </p:spPr>
+        <p:txBody>
+          <a:bodyPr wrap="none">
+            <a:spAutoFit/>
+          </a:bodyPr>
+          <a:lstStyle/>
+          <a:p>
+            <a:r>
+              <a:rPr lang="en" altLang="ko-Kore-KR" dirty="0" err="1">
+                <a:solidFill>
+                  <a:srgbClr val="001080"/>
+                </a:solidFill>
+                <a:latin typeface="DM Mono" panose="020B0509040201040103" pitchFamily="49" charset="0"/>
+              </a:rPr>
+              <a:t>fpos</a:t>
+            </a:r>
+            <a:endParaRPr lang="ko-Kore-KR" altLang="en-US" dirty="0"/>
+          </a:p>
+        </p:txBody>
+      </p:sp>
+      <p:cxnSp>
+        <p:nvCxnSpPr>
+          <p:cNvPr id="5" name="구부러진 연결선[U] 4">
+            <a:extLst>
+              <a:ext uri="{FF2B5EF4-FFF2-40B4-BE49-F238E27FC236}">
+                <a16:creationId xmlns:a16="http://schemas.microsoft.com/office/drawing/2014/main" id="{BE845E46-3BF6-CFEF-4D52-1A1252A8F28A}"/>
+              </a:ext>
+            </a:extLst>
+          </p:cNvPr>
+          <p:cNvCxnSpPr>
+            <a:cxnSpLocks/>
+            <a:stCxn id="30" idx="2"/>
+            <a:endCxn id="57" idx="0"/>
+          </p:cNvCxnSpPr>
+          <p:nvPr/>
+        </p:nvCxnSpPr>
+        <p:spPr>
+          <a:xfrm rot="5400000">
+            <a:off x="4243501" y="463809"/>
+            <a:ext cx="2843564" cy="6105400"/>
+          </a:xfrm>
+          <a:prstGeom prst="curvedConnector3">
+            <a:avLst/>
+          </a:prstGeom>
+          <a:ln>
+            <a:tailEnd type="triangle"/>
+          </a:ln>
+        </p:spPr>
+        <p:style>
+          <a:lnRef idx="1">
+            <a:schemeClr val="accent1"/>
+          </a:lnRef>
+          <a:fillRef idx="0">
+            <a:schemeClr val="accent1"/>
+          </a:fillRef>
+          <a:effectRef idx="0">
+            <a:schemeClr val="accent1"/>
+          </a:effectRef>
+          <a:fontRef idx="minor">
+            <a:schemeClr val="tx1"/>
+          </a:fontRef>
+        </p:style>
+      </p:cxnSp>
+    </p:spTree>
+    <p:extLst>
+      <p:ext uri="{BB962C8B-B14F-4D97-AF65-F5344CB8AC3E}">
+        <p14:creationId xmlns:p14="http://schemas.microsoft.com/office/powerpoint/2010/main" val="2175793090"/>
       </p:ext>
     </p:extLst>
   </p:cSld>
